--- a/_book/plot/china-source-1.pptx
+++ b/_book/plot/china-source-1.pptx
@@ -3123,7 +3123,7 @@
           <p:spPr>
             <a:xfrm>
               <a:off x="2148681" y="581025"/>
-              <a:ext cx="6400800" cy="6400799"/>
+              <a:ext cx="6400799" cy="6400799"/>
             </a:xfrm>
             <a:prstGeom prst="rect">
               <a:avLst/>
@@ -3158,7 +3158,7 @@
           <p:spPr>
             <a:xfrm>
               <a:off x="2148681" y="581025"/>
-              <a:ext cx="6400800" cy="6400799"/>
+              <a:ext cx="6400799" cy="6400799"/>
             </a:xfrm>
             <a:prstGeom prst="rect">
               <a:avLst/>
@@ -3192,8 +3192,8 @@
           </p:nvSpPr>
           <p:spPr>
             <a:xfrm>
-              <a:off x="2540745" y="873540"/>
-              <a:ext cx="5939146" cy="5708882"/>
+              <a:off x="2542904" y="876525"/>
+              <a:ext cx="5936987" cy="5702405"/>
             </a:xfrm>
             <a:prstGeom prst="rect">
               <a:avLst/>
@@ -3218,15 +3218,15 @@
           </p:nvSpPr>
           <p:spPr>
             <a:xfrm>
-              <a:off x="3558699" y="873540"/>
-              <a:ext cx="0" cy="5708882"/>
+              <a:off x="3560488" y="876525"/>
+              <a:ext cx="0" cy="5702405"/>
             </a:xfrm>
             <a:custGeom>
               <a:avLst/>
               <a:pathLst>
-                <a:path w="0" h="5708882">
+                <a:path w="0" h="5702405">
                   <a:moveTo>
-                    <a:pt x="0" y="5708882"/>
+                    <a:pt x="0" y="5702405"/>
                   </a:moveTo>
                   <a:lnTo>
                     <a:pt x="0" y="0"/>
@@ -3261,15 +3261,15 @@
           </p:nvSpPr>
           <p:spPr>
             <a:xfrm>
-              <a:off x="5594605" y="873540"/>
-              <a:ext cx="0" cy="5708882"/>
+              <a:off x="5595654" y="876525"/>
+              <a:ext cx="0" cy="5702405"/>
             </a:xfrm>
             <a:custGeom>
               <a:avLst/>
               <a:pathLst>
-                <a:path w="0" h="5708882">
+                <a:path w="0" h="5702405">
                   <a:moveTo>
-                    <a:pt x="0" y="5708882"/>
+                    <a:pt x="0" y="5702405"/>
                   </a:moveTo>
                   <a:lnTo>
                     <a:pt x="0" y="0"/>
@@ -3304,15 +3304,15 @@
           </p:nvSpPr>
           <p:spPr>
             <a:xfrm>
-              <a:off x="7630512" y="873540"/>
-              <a:ext cx="0" cy="5708882"/>
+              <a:off x="7630821" y="876525"/>
+              <a:ext cx="0" cy="5702405"/>
             </a:xfrm>
             <a:custGeom>
               <a:avLst/>
               <a:pathLst>
-                <a:path w="0" h="5708882">
+                <a:path w="0" h="5702405">
                   <a:moveTo>
-                    <a:pt x="0" y="5708882"/>
+                    <a:pt x="0" y="5702405"/>
                   </a:moveTo>
                   <a:lnTo>
                     <a:pt x="0" y="0"/>
@@ -3347,21 +3347,21 @@
           </p:nvSpPr>
           <p:spPr>
             <a:xfrm>
-              <a:off x="2540745" y="6446497"/>
-              <a:ext cx="5939146" cy="0"/>
+              <a:off x="2542904" y="6443159"/>
+              <a:ext cx="5936987" cy="0"/>
             </a:xfrm>
             <a:custGeom>
               <a:avLst/>
               <a:pathLst>
-                <a:path w="5939146" h="0">
+                <a:path w="5936987" h="0">
                   <a:moveTo>
                     <a:pt x="0" y="0"/>
                   </a:moveTo>
                   <a:lnTo>
-                    <a:pt x="5939146" y="0"/>
+                    <a:pt x="5936987" y="0"/>
                   </a:lnTo>
                   <a:lnTo>
-                    <a:pt x="5939146" y="0"/>
+                    <a:pt x="5936987" y="0"/>
                   </a:lnTo>
                 </a:path>
               </a:pathLst>
@@ -3390,21 +3390,21 @@
           </p:nvSpPr>
           <p:spPr>
             <a:xfrm>
-              <a:off x="2540745" y="6219954"/>
-              <a:ext cx="5939146" cy="0"/>
+              <a:off x="2542904" y="6216873"/>
+              <a:ext cx="5936987" cy="0"/>
             </a:xfrm>
             <a:custGeom>
               <a:avLst/>
               <a:pathLst>
-                <a:path w="5939146" h="0">
+                <a:path w="5936987" h="0">
                   <a:moveTo>
                     <a:pt x="0" y="0"/>
                   </a:moveTo>
                   <a:lnTo>
-                    <a:pt x="5939146" y="0"/>
+                    <a:pt x="5936987" y="0"/>
                   </a:lnTo>
                   <a:lnTo>
-                    <a:pt x="5939146" y="0"/>
+                    <a:pt x="5936987" y="0"/>
                   </a:lnTo>
                 </a:path>
               </a:pathLst>
@@ -3433,21 +3433,21 @@
           </p:nvSpPr>
           <p:spPr>
             <a:xfrm>
-              <a:off x="2540745" y="5993411"/>
-              <a:ext cx="5939146" cy="0"/>
+              <a:off x="2542904" y="5990587"/>
+              <a:ext cx="5936987" cy="0"/>
             </a:xfrm>
             <a:custGeom>
               <a:avLst/>
               <a:pathLst>
-                <a:path w="5939146" h="0">
+                <a:path w="5936987" h="0">
                   <a:moveTo>
                     <a:pt x="0" y="0"/>
                   </a:moveTo>
                   <a:lnTo>
-                    <a:pt x="5939146" y="0"/>
+                    <a:pt x="5936987" y="0"/>
                   </a:lnTo>
                   <a:lnTo>
-                    <a:pt x="5939146" y="0"/>
+                    <a:pt x="5936987" y="0"/>
                   </a:lnTo>
                 </a:path>
               </a:pathLst>
@@ -3476,21 +3476,21 @@
           </p:nvSpPr>
           <p:spPr>
             <a:xfrm>
-              <a:off x="2540745" y="5766868"/>
-              <a:ext cx="5939146" cy="0"/>
+              <a:off x="2542904" y="5764301"/>
+              <a:ext cx="5936987" cy="0"/>
             </a:xfrm>
             <a:custGeom>
               <a:avLst/>
               <a:pathLst>
-                <a:path w="5939146" h="0">
+                <a:path w="5936987" h="0">
                   <a:moveTo>
                     <a:pt x="0" y="0"/>
                   </a:moveTo>
                   <a:lnTo>
-                    <a:pt x="5939146" y="0"/>
+                    <a:pt x="5936987" y="0"/>
                   </a:lnTo>
                   <a:lnTo>
-                    <a:pt x="5939146" y="0"/>
+                    <a:pt x="5936987" y="0"/>
                   </a:lnTo>
                 </a:path>
               </a:pathLst>
@@ -3519,21 +3519,21 @@
           </p:nvSpPr>
           <p:spPr>
             <a:xfrm>
-              <a:off x="2540745" y="5540325"/>
-              <a:ext cx="5939146" cy="0"/>
+              <a:off x="2542904" y="5538015"/>
+              <a:ext cx="5936987" cy="0"/>
             </a:xfrm>
             <a:custGeom>
               <a:avLst/>
               <a:pathLst>
-                <a:path w="5939146" h="0">
+                <a:path w="5936987" h="0">
                   <a:moveTo>
                     <a:pt x="0" y="0"/>
                   </a:moveTo>
                   <a:lnTo>
-                    <a:pt x="5939146" y="0"/>
+                    <a:pt x="5936987" y="0"/>
                   </a:lnTo>
                   <a:lnTo>
-                    <a:pt x="5939146" y="0"/>
+                    <a:pt x="5936987" y="0"/>
                   </a:lnTo>
                 </a:path>
               </a:pathLst>
@@ -3562,21 +3562,21 @@
           </p:nvSpPr>
           <p:spPr>
             <a:xfrm>
-              <a:off x="2540745" y="5313782"/>
-              <a:ext cx="5939146" cy="0"/>
+              <a:off x="2542904" y="5311729"/>
+              <a:ext cx="5936987" cy="0"/>
             </a:xfrm>
             <a:custGeom>
               <a:avLst/>
               <a:pathLst>
-                <a:path w="5939146" h="0">
+                <a:path w="5936987" h="0">
                   <a:moveTo>
                     <a:pt x="0" y="0"/>
                   </a:moveTo>
                   <a:lnTo>
-                    <a:pt x="5939146" y="0"/>
+                    <a:pt x="5936987" y="0"/>
                   </a:lnTo>
                   <a:lnTo>
-                    <a:pt x="5939146" y="0"/>
+                    <a:pt x="5936987" y="0"/>
                   </a:lnTo>
                 </a:path>
               </a:pathLst>
@@ -3605,21 +3605,21 @@
           </p:nvSpPr>
           <p:spPr>
             <a:xfrm>
-              <a:off x="2540745" y="5087240"/>
-              <a:ext cx="5939146" cy="0"/>
+              <a:off x="2542904" y="5085443"/>
+              <a:ext cx="5936987" cy="0"/>
             </a:xfrm>
             <a:custGeom>
               <a:avLst/>
               <a:pathLst>
-                <a:path w="5939146" h="0">
+                <a:path w="5936987" h="0">
                   <a:moveTo>
                     <a:pt x="0" y="0"/>
                   </a:moveTo>
                   <a:lnTo>
-                    <a:pt x="5939146" y="0"/>
+                    <a:pt x="5936987" y="0"/>
                   </a:lnTo>
                   <a:lnTo>
-                    <a:pt x="5939146" y="0"/>
+                    <a:pt x="5936987" y="0"/>
                   </a:lnTo>
                 </a:path>
               </a:pathLst>
@@ -3648,21 +3648,21 @@
           </p:nvSpPr>
           <p:spPr>
             <a:xfrm>
-              <a:off x="2540745" y="4860697"/>
-              <a:ext cx="5939146" cy="0"/>
+              <a:off x="2542904" y="4859157"/>
+              <a:ext cx="5936987" cy="0"/>
             </a:xfrm>
             <a:custGeom>
               <a:avLst/>
               <a:pathLst>
-                <a:path w="5939146" h="0">
+                <a:path w="5936987" h="0">
                   <a:moveTo>
                     <a:pt x="0" y="0"/>
                   </a:moveTo>
                   <a:lnTo>
-                    <a:pt x="5939146" y="0"/>
+                    <a:pt x="5936987" y="0"/>
                   </a:lnTo>
                   <a:lnTo>
-                    <a:pt x="5939146" y="0"/>
+                    <a:pt x="5936987" y="0"/>
                   </a:lnTo>
                 </a:path>
               </a:pathLst>
@@ -3691,21 +3691,21 @@
           </p:nvSpPr>
           <p:spPr>
             <a:xfrm>
-              <a:off x="2540745" y="4634154"/>
-              <a:ext cx="5939146" cy="0"/>
+              <a:off x="2542904" y="4632871"/>
+              <a:ext cx="5936987" cy="0"/>
             </a:xfrm>
             <a:custGeom>
               <a:avLst/>
               <a:pathLst>
-                <a:path w="5939146" h="0">
+                <a:path w="5936987" h="0">
                   <a:moveTo>
                     <a:pt x="0" y="0"/>
                   </a:moveTo>
                   <a:lnTo>
-                    <a:pt x="5939146" y="0"/>
+                    <a:pt x="5936987" y="0"/>
                   </a:lnTo>
                   <a:lnTo>
-                    <a:pt x="5939146" y="0"/>
+                    <a:pt x="5936987" y="0"/>
                   </a:lnTo>
                 </a:path>
               </a:pathLst>
@@ -3734,21 +3734,21 @@
           </p:nvSpPr>
           <p:spPr>
             <a:xfrm>
-              <a:off x="2540745" y="4407611"/>
-              <a:ext cx="5939146" cy="0"/>
+              <a:off x="2542904" y="4406586"/>
+              <a:ext cx="5936987" cy="0"/>
             </a:xfrm>
             <a:custGeom>
               <a:avLst/>
               <a:pathLst>
-                <a:path w="5939146" h="0">
+                <a:path w="5936987" h="0">
                   <a:moveTo>
                     <a:pt x="0" y="0"/>
                   </a:moveTo>
                   <a:lnTo>
-                    <a:pt x="5939146" y="0"/>
+                    <a:pt x="5936987" y="0"/>
                   </a:lnTo>
                   <a:lnTo>
-                    <a:pt x="5939146" y="0"/>
+                    <a:pt x="5936987" y="0"/>
                   </a:lnTo>
                 </a:path>
               </a:pathLst>
@@ -3777,21 +3777,21 @@
           </p:nvSpPr>
           <p:spPr>
             <a:xfrm>
-              <a:off x="2540745" y="4181068"/>
-              <a:ext cx="5939146" cy="0"/>
+              <a:off x="2542904" y="4180300"/>
+              <a:ext cx="5936987" cy="0"/>
             </a:xfrm>
             <a:custGeom>
               <a:avLst/>
               <a:pathLst>
-                <a:path w="5939146" h="0">
+                <a:path w="5936987" h="0">
                   <a:moveTo>
                     <a:pt x="0" y="0"/>
                   </a:moveTo>
                   <a:lnTo>
-                    <a:pt x="5939146" y="0"/>
+                    <a:pt x="5936987" y="0"/>
                   </a:lnTo>
                   <a:lnTo>
-                    <a:pt x="5939146" y="0"/>
+                    <a:pt x="5936987" y="0"/>
                   </a:lnTo>
                 </a:path>
               </a:pathLst>
@@ -3820,21 +3820,21 @@
           </p:nvSpPr>
           <p:spPr>
             <a:xfrm>
-              <a:off x="2540745" y="3954525"/>
-              <a:ext cx="5939146" cy="0"/>
+              <a:off x="2542904" y="3954014"/>
+              <a:ext cx="5936987" cy="0"/>
             </a:xfrm>
             <a:custGeom>
               <a:avLst/>
               <a:pathLst>
-                <a:path w="5939146" h="0">
+                <a:path w="5936987" h="0">
                   <a:moveTo>
                     <a:pt x="0" y="0"/>
                   </a:moveTo>
                   <a:lnTo>
-                    <a:pt x="5939146" y="0"/>
+                    <a:pt x="5936987" y="0"/>
                   </a:lnTo>
                   <a:lnTo>
-                    <a:pt x="5939146" y="0"/>
+                    <a:pt x="5936987" y="0"/>
                   </a:lnTo>
                 </a:path>
               </a:pathLst>
@@ -3863,21 +3863,21 @@
           </p:nvSpPr>
           <p:spPr>
             <a:xfrm>
-              <a:off x="2540745" y="3727982"/>
-              <a:ext cx="5939146" cy="0"/>
+              <a:off x="2542904" y="3727728"/>
+              <a:ext cx="5936987" cy="0"/>
             </a:xfrm>
             <a:custGeom>
               <a:avLst/>
               <a:pathLst>
-                <a:path w="5939146" h="0">
+                <a:path w="5936987" h="0">
                   <a:moveTo>
                     <a:pt x="0" y="0"/>
                   </a:moveTo>
                   <a:lnTo>
-                    <a:pt x="5939146" y="0"/>
+                    <a:pt x="5936987" y="0"/>
                   </a:lnTo>
                   <a:lnTo>
-                    <a:pt x="5939146" y="0"/>
+                    <a:pt x="5936987" y="0"/>
                   </a:lnTo>
                 </a:path>
               </a:pathLst>
@@ -3906,21 +3906,21 @@
           </p:nvSpPr>
           <p:spPr>
             <a:xfrm>
-              <a:off x="2540745" y="3501439"/>
-              <a:ext cx="5939146" cy="0"/>
+              <a:off x="2542904" y="3501442"/>
+              <a:ext cx="5936987" cy="0"/>
             </a:xfrm>
             <a:custGeom>
               <a:avLst/>
               <a:pathLst>
-                <a:path w="5939146" h="0">
+                <a:path w="5936987" h="0">
                   <a:moveTo>
                     <a:pt x="0" y="0"/>
                   </a:moveTo>
                   <a:lnTo>
-                    <a:pt x="5939146" y="0"/>
+                    <a:pt x="5936987" y="0"/>
                   </a:lnTo>
                   <a:lnTo>
-                    <a:pt x="5939146" y="0"/>
+                    <a:pt x="5936987" y="0"/>
                   </a:lnTo>
                 </a:path>
               </a:pathLst>
@@ -3949,21 +3949,21 @@
           </p:nvSpPr>
           <p:spPr>
             <a:xfrm>
-              <a:off x="2540745" y="3274896"/>
-              <a:ext cx="5939146" cy="0"/>
+              <a:off x="2542904" y="3275156"/>
+              <a:ext cx="5936987" cy="0"/>
             </a:xfrm>
             <a:custGeom>
               <a:avLst/>
               <a:pathLst>
-                <a:path w="5939146" h="0">
+                <a:path w="5936987" h="0">
                   <a:moveTo>
                     <a:pt x="0" y="0"/>
                   </a:moveTo>
                   <a:lnTo>
-                    <a:pt x="5939146" y="0"/>
+                    <a:pt x="5936987" y="0"/>
                   </a:lnTo>
                   <a:lnTo>
-                    <a:pt x="5939146" y="0"/>
+                    <a:pt x="5936987" y="0"/>
                   </a:lnTo>
                 </a:path>
               </a:pathLst>
@@ -3992,21 +3992,21 @@
           </p:nvSpPr>
           <p:spPr>
             <a:xfrm>
-              <a:off x="2540745" y="3048353"/>
-              <a:ext cx="5939146" cy="0"/>
+              <a:off x="2542904" y="3048870"/>
+              <a:ext cx="5936987" cy="0"/>
             </a:xfrm>
             <a:custGeom>
               <a:avLst/>
               <a:pathLst>
-                <a:path w="5939146" h="0">
+                <a:path w="5936987" h="0">
                   <a:moveTo>
                     <a:pt x="0" y="0"/>
                   </a:moveTo>
                   <a:lnTo>
-                    <a:pt x="5939146" y="0"/>
+                    <a:pt x="5936987" y="0"/>
                   </a:lnTo>
                   <a:lnTo>
-                    <a:pt x="5939146" y="0"/>
+                    <a:pt x="5936987" y="0"/>
                   </a:lnTo>
                 </a:path>
               </a:pathLst>
@@ -4035,21 +4035,21 @@
           </p:nvSpPr>
           <p:spPr>
             <a:xfrm>
-              <a:off x="2540745" y="2821810"/>
-              <a:ext cx="5939146" cy="0"/>
+              <a:off x="2542904" y="2822584"/>
+              <a:ext cx="5936987" cy="0"/>
             </a:xfrm>
             <a:custGeom>
               <a:avLst/>
               <a:pathLst>
-                <a:path w="5939146" h="0">
+                <a:path w="5936987" h="0">
                   <a:moveTo>
                     <a:pt x="0" y="0"/>
                   </a:moveTo>
                   <a:lnTo>
-                    <a:pt x="5939146" y="0"/>
+                    <a:pt x="5936987" y="0"/>
                   </a:lnTo>
                   <a:lnTo>
-                    <a:pt x="5939146" y="0"/>
+                    <a:pt x="5936987" y="0"/>
                   </a:lnTo>
                 </a:path>
               </a:pathLst>
@@ -4078,21 +4078,21 @@
           </p:nvSpPr>
           <p:spPr>
             <a:xfrm>
-              <a:off x="2540745" y="2595267"/>
-              <a:ext cx="5939146" cy="0"/>
+              <a:off x="2542904" y="2596298"/>
+              <a:ext cx="5936987" cy="0"/>
             </a:xfrm>
             <a:custGeom>
               <a:avLst/>
               <a:pathLst>
-                <a:path w="5939146" h="0">
+                <a:path w="5936987" h="0">
                   <a:moveTo>
                     <a:pt x="0" y="0"/>
                   </a:moveTo>
                   <a:lnTo>
-                    <a:pt x="5939146" y="0"/>
+                    <a:pt x="5936987" y="0"/>
                   </a:lnTo>
                   <a:lnTo>
-                    <a:pt x="5939146" y="0"/>
+                    <a:pt x="5936987" y="0"/>
                   </a:lnTo>
                 </a:path>
               </a:pathLst>
@@ -4121,21 +4121,21 @@
           </p:nvSpPr>
           <p:spPr>
             <a:xfrm>
-              <a:off x="2540745" y="2368724"/>
-              <a:ext cx="5939146" cy="0"/>
+              <a:off x="2542904" y="2370012"/>
+              <a:ext cx="5936987" cy="0"/>
             </a:xfrm>
             <a:custGeom>
               <a:avLst/>
               <a:pathLst>
-                <a:path w="5939146" h="0">
+                <a:path w="5936987" h="0">
                   <a:moveTo>
                     <a:pt x="0" y="0"/>
                   </a:moveTo>
                   <a:lnTo>
-                    <a:pt x="5939146" y="0"/>
+                    <a:pt x="5936987" y="0"/>
                   </a:lnTo>
                   <a:lnTo>
-                    <a:pt x="5939146" y="0"/>
+                    <a:pt x="5936987" y="0"/>
                   </a:lnTo>
                 </a:path>
               </a:pathLst>
@@ -4164,21 +4164,21 @@
           </p:nvSpPr>
           <p:spPr>
             <a:xfrm>
-              <a:off x="2540745" y="2142181"/>
-              <a:ext cx="5939146" cy="0"/>
+              <a:off x="2542904" y="2143726"/>
+              <a:ext cx="5936987" cy="0"/>
             </a:xfrm>
             <a:custGeom>
               <a:avLst/>
               <a:pathLst>
-                <a:path w="5939146" h="0">
+                <a:path w="5936987" h="0">
                   <a:moveTo>
                     <a:pt x="0" y="0"/>
                   </a:moveTo>
                   <a:lnTo>
-                    <a:pt x="5939146" y="0"/>
+                    <a:pt x="5936987" y="0"/>
                   </a:lnTo>
                   <a:lnTo>
-                    <a:pt x="5939146" y="0"/>
+                    <a:pt x="5936987" y="0"/>
                   </a:lnTo>
                 </a:path>
               </a:pathLst>
@@ -4207,21 +4207,21 @@
           </p:nvSpPr>
           <p:spPr>
             <a:xfrm>
-              <a:off x="2540745" y="1915638"/>
-              <a:ext cx="5939146" cy="0"/>
+              <a:off x="2542904" y="1917440"/>
+              <a:ext cx="5936987" cy="0"/>
             </a:xfrm>
             <a:custGeom>
               <a:avLst/>
               <a:pathLst>
-                <a:path w="5939146" h="0">
+                <a:path w="5936987" h="0">
                   <a:moveTo>
                     <a:pt x="0" y="0"/>
                   </a:moveTo>
                   <a:lnTo>
-                    <a:pt x="5939146" y="0"/>
+                    <a:pt x="5936987" y="0"/>
                   </a:lnTo>
                   <a:lnTo>
-                    <a:pt x="5939146" y="0"/>
+                    <a:pt x="5936987" y="0"/>
                   </a:lnTo>
                 </a:path>
               </a:pathLst>
@@ -4250,21 +4250,21 @@
           </p:nvSpPr>
           <p:spPr>
             <a:xfrm>
-              <a:off x="2540745" y="1689095"/>
-              <a:ext cx="5939146" cy="0"/>
+              <a:off x="2542904" y="1691154"/>
+              <a:ext cx="5936987" cy="0"/>
             </a:xfrm>
             <a:custGeom>
               <a:avLst/>
               <a:pathLst>
-                <a:path w="5939146" h="0">
+                <a:path w="5936987" h="0">
                   <a:moveTo>
                     <a:pt x="0" y="0"/>
                   </a:moveTo>
                   <a:lnTo>
-                    <a:pt x="5939146" y="0"/>
+                    <a:pt x="5936987" y="0"/>
                   </a:lnTo>
                   <a:lnTo>
-                    <a:pt x="5939146" y="0"/>
+                    <a:pt x="5936987" y="0"/>
                   </a:lnTo>
                 </a:path>
               </a:pathLst>
@@ -4293,21 +4293,21 @@
           </p:nvSpPr>
           <p:spPr>
             <a:xfrm>
-              <a:off x="2540745" y="1462552"/>
-              <a:ext cx="5939146" cy="0"/>
+              <a:off x="2542904" y="1464868"/>
+              <a:ext cx="5936987" cy="0"/>
             </a:xfrm>
             <a:custGeom>
               <a:avLst/>
               <a:pathLst>
-                <a:path w="5939146" h="0">
+                <a:path w="5936987" h="0">
                   <a:moveTo>
                     <a:pt x="0" y="0"/>
                   </a:moveTo>
                   <a:lnTo>
-                    <a:pt x="5939146" y="0"/>
+                    <a:pt x="5936987" y="0"/>
                   </a:lnTo>
                   <a:lnTo>
-                    <a:pt x="5939146" y="0"/>
+                    <a:pt x="5936987" y="0"/>
                   </a:lnTo>
                 </a:path>
               </a:pathLst>
@@ -4336,21 +4336,21 @@
           </p:nvSpPr>
           <p:spPr>
             <a:xfrm>
-              <a:off x="2540745" y="1236009"/>
-              <a:ext cx="5939146" cy="0"/>
+              <a:off x="2542904" y="1238582"/>
+              <a:ext cx="5936987" cy="0"/>
             </a:xfrm>
             <a:custGeom>
               <a:avLst/>
               <a:pathLst>
-                <a:path w="5939146" h="0">
+                <a:path w="5936987" h="0">
                   <a:moveTo>
                     <a:pt x="0" y="0"/>
                   </a:moveTo>
                   <a:lnTo>
-                    <a:pt x="5939146" y="0"/>
+                    <a:pt x="5936987" y="0"/>
                   </a:lnTo>
                   <a:lnTo>
-                    <a:pt x="5939146" y="0"/>
+                    <a:pt x="5936987" y="0"/>
                   </a:lnTo>
                 </a:path>
               </a:pathLst>
@@ -4379,21 +4379,21 @@
           </p:nvSpPr>
           <p:spPr>
             <a:xfrm>
-              <a:off x="2540745" y="1009466"/>
-              <a:ext cx="5939146" cy="0"/>
+              <a:off x="2542904" y="1012296"/>
+              <a:ext cx="5936987" cy="0"/>
             </a:xfrm>
             <a:custGeom>
               <a:avLst/>
               <a:pathLst>
-                <a:path w="5939146" h="0">
+                <a:path w="5936987" h="0">
                   <a:moveTo>
                     <a:pt x="0" y="0"/>
                   </a:moveTo>
                   <a:lnTo>
-                    <a:pt x="5939146" y="0"/>
+                    <a:pt x="5936987" y="0"/>
                   </a:lnTo>
                   <a:lnTo>
-                    <a:pt x="5939146" y="0"/>
+                    <a:pt x="5936987" y="0"/>
                   </a:lnTo>
                 </a:path>
               </a:pathLst>
@@ -4422,15 +4422,15 @@
           </p:nvSpPr>
           <p:spPr>
             <a:xfrm>
-              <a:off x="2540745" y="873540"/>
-              <a:ext cx="0" cy="5708882"/>
+              <a:off x="2542904" y="876525"/>
+              <a:ext cx="0" cy="5702405"/>
             </a:xfrm>
             <a:custGeom>
               <a:avLst/>
               <a:pathLst>
-                <a:path w="0" h="5708882">
+                <a:path w="0" h="5702405">
                   <a:moveTo>
-                    <a:pt x="0" y="5708882"/>
+                    <a:pt x="0" y="5702405"/>
                   </a:moveTo>
                   <a:lnTo>
                     <a:pt x="0" y="0"/>
@@ -4465,15 +4465,15 @@
           </p:nvSpPr>
           <p:spPr>
             <a:xfrm>
-              <a:off x="4576652" y="873540"/>
-              <a:ext cx="0" cy="5708882"/>
+              <a:off x="4578071" y="876525"/>
+              <a:ext cx="0" cy="5702405"/>
             </a:xfrm>
             <a:custGeom>
               <a:avLst/>
               <a:pathLst>
-                <a:path w="0" h="5708882">
+                <a:path w="0" h="5702405">
                   <a:moveTo>
-                    <a:pt x="0" y="5708882"/>
+                    <a:pt x="0" y="5702405"/>
                   </a:moveTo>
                   <a:lnTo>
                     <a:pt x="0" y="0"/>
@@ -4508,15 +4508,15 @@
           </p:nvSpPr>
           <p:spPr>
             <a:xfrm>
-              <a:off x="6612558" y="873540"/>
-              <a:ext cx="0" cy="5708882"/>
+              <a:off x="6613237" y="876525"/>
+              <a:ext cx="0" cy="5702405"/>
             </a:xfrm>
             <a:custGeom>
               <a:avLst/>
               <a:pathLst>
-                <a:path w="0" h="5708882">
+                <a:path w="0" h="5702405">
                   <a:moveTo>
-                    <a:pt x="0" y="5708882"/>
+                    <a:pt x="0" y="5702405"/>
                   </a:moveTo>
                   <a:lnTo>
                     <a:pt x="0" y="0"/>
@@ -4551,8 +4551,8 @@
           </p:nvSpPr>
           <p:spPr>
             <a:xfrm>
-              <a:off x="2540745" y="907522"/>
-              <a:ext cx="5822692" cy="203888"/>
+              <a:off x="2542904" y="910468"/>
+              <a:ext cx="5820576" cy="203657"/>
             </a:xfrm>
             <a:prstGeom prst="rect">
               <a:avLst/>
@@ -4577,8 +4577,8 @@
           </p:nvSpPr>
           <p:spPr>
             <a:xfrm>
-              <a:off x="2540745" y="1134065"/>
-              <a:ext cx="4886175" cy="203888"/>
+              <a:off x="2542904" y="1136754"/>
+              <a:ext cx="4884399" cy="203657"/>
             </a:xfrm>
             <a:prstGeom prst="rect">
               <a:avLst/>
@@ -4603,8 +4603,8 @@
           </p:nvSpPr>
           <p:spPr>
             <a:xfrm>
-              <a:off x="2540745" y="1360608"/>
-              <a:ext cx="4478994" cy="203888"/>
+              <a:off x="2542904" y="1363039"/>
+              <a:ext cx="4477366" cy="203657"/>
             </a:xfrm>
             <a:prstGeom prst="rect">
               <a:avLst/>
@@ -4629,8 +4629,8 @@
           </p:nvSpPr>
           <p:spPr>
             <a:xfrm>
-              <a:off x="2540745" y="1587151"/>
-              <a:ext cx="3949658" cy="203888"/>
+              <a:off x="2542904" y="1589325"/>
+              <a:ext cx="3948222" cy="203657"/>
             </a:xfrm>
             <a:prstGeom prst="rect">
               <a:avLst/>
@@ -4655,8 +4655,8 @@
           </p:nvSpPr>
           <p:spPr>
             <a:xfrm>
-              <a:off x="2540745" y="1813694"/>
-              <a:ext cx="3827504" cy="203888"/>
+              <a:off x="2542904" y="1815611"/>
+              <a:ext cx="3826112" cy="203657"/>
             </a:xfrm>
             <a:prstGeom prst="rect">
               <a:avLst/>
@@ -4681,8 +4681,8 @@
           </p:nvSpPr>
           <p:spPr>
             <a:xfrm>
-              <a:off x="2540745" y="2040237"/>
-              <a:ext cx="3705349" cy="203888"/>
+              <a:off x="2542904" y="2041897"/>
+              <a:ext cx="3704002" cy="203657"/>
             </a:xfrm>
             <a:prstGeom prst="rect">
               <a:avLst/>
@@ -4707,8 +4707,8 @@
           </p:nvSpPr>
           <p:spPr>
             <a:xfrm>
-              <a:off x="2540745" y="2266779"/>
-              <a:ext cx="3583195" cy="203888"/>
+              <a:off x="2542904" y="2268183"/>
+              <a:ext cx="3581892" cy="203657"/>
             </a:xfrm>
             <a:prstGeom prst="rect">
               <a:avLst/>
@@ -4733,8 +4733,8 @@
           </p:nvSpPr>
           <p:spPr>
             <a:xfrm>
-              <a:off x="2540745" y="2493322"/>
-              <a:ext cx="2972423" cy="203888"/>
+              <a:off x="2542904" y="2494469"/>
+              <a:ext cx="2971343" cy="203657"/>
             </a:xfrm>
             <a:prstGeom prst="rect">
               <a:avLst/>
@@ -4759,8 +4759,8 @@
           </p:nvSpPr>
           <p:spPr>
             <a:xfrm>
-              <a:off x="2540745" y="2719865"/>
-              <a:ext cx="2972423" cy="203888"/>
+              <a:off x="2542904" y="2720755"/>
+              <a:ext cx="2971343" cy="203657"/>
             </a:xfrm>
             <a:prstGeom prst="rect">
               <a:avLst/>
@@ -4785,8 +4785,8 @@
           </p:nvSpPr>
           <p:spPr>
             <a:xfrm>
-              <a:off x="2540745" y="2946408"/>
-              <a:ext cx="2646678" cy="203888"/>
+              <a:off x="2542904" y="2947041"/>
+              <a:ext cx="2645716" cy="203657"/>
             </a:xfrm>
             <a:prstGeom prst="rect">
               <a:avLst/>
@@ -4811,8 +4811,8 @@
           </p:nvSpPr>
           <p:spPr>
             <a:xfrm>
-              <a:off x="2540745" y="3172951"/>
-              <a:ext cx="2443087" cy="203888"/>
+              <a:off x="2542904" y="3173327"/>
+              <a:ext cx="2442199" cy="203657"/>
             </a:xfrm>
             <a:prstGeom prst="rect">
               <a:avLst/>
@@ -4837,8 +4837,8 @@
           </p:nvSpPr>
           <p:spPr>
             <a:xfrm>
-              <a:off x="2540745" y="3399494"/>
-              <a:ext cx="2239497" cy="203888"/>
+              <a:off x="2542904" y="3399613"/>
+              <a:ext cx="2238683" cy="203657"/>
             </a:xfrm>
             <a:prstGeom prst="rect">
               <a:avLst/>
@@ -4863,8 +4863,8 @@
           </p:nvSpPr>
           <p:spPr>
             <a:xfrm>
-              <a:off x="2540745" y="3626037"/>
-              <a:ext cx="2198779" cy="203888"/>
+              <a:off x="2542904" y="3625899"/>
+              <a:ext cx="2197979" cy="203657"/>
             </a:xfrm>
             <a:prstGeom prst="rect">
               <a:avLst/>
@@ -4889,8 +4889,8 @@
           </p:nvSpPr>
           <p:spPr>
             <a:xfrm>
-              <a:off x="2540745" y="3852580"/>
-              <a:ext cx="2198779" cy="203888"/>
+              <a:off x="2542904" y="3852185"/>
+              <a:ext cx="2197979" cy="203657"/>
             </a:xfrm>
             <a:prstGeom prst="rect">
               <a:avLst/>
@@ -4915,8 +4915,8 @@
           </p:nvSpPr>
           <p:spPr>
             <a:xfrm>
-              <a:off x="2540745" y="4079123"/>
-              <a:ext cx="1995188" cy="203888"/>
+              <a:off x="2542904" y="4078471"/>
+              <a:ext cx="1994463" cy="203657"/>
             </a:xfrm>
             <a:prstGeom prst="rect">
               <a:avLst/>
@@ -4941,8 +4941,8 @@
           </p:nvSpPr>
           <p:spPr>
             <a:xfrm>
-              <a:off x="2540745" y="4305666"/>
-              <a:ext cx="1995188" cy="203888"/>
+              <a:off x="2542904" y="4304757"/>
+              <a:ext cx="1994463" cy="203657"/>
             </a:xfrm>
             <a:prstGeom prst="rect">
               <a:avLst/>
@@ -4967,8 +4967,8 @@
           </p:nvSpPr>
           <p:spPr>
             <a:xfrm>
-              <a:off x="2540745" y="4532209"/>
-              <a:ext cx="1954470" cy="203888"/>
+              <a:off x="2542904" y="4531043"/>
+              <a:ext cx="1953759" cy="203657"/>
             </a:xfrm>
             <a:prstGeom prst="rect">
               <a:avLst/>
@@ -4993,8 +4993,8 @@
           </p:nvSpPr>
           <p:spPr>
             <a:xfrm>
-              <a:off x="2540745" y="4758752"/>
-              <a:ext cx="1954470" cy="203888"/>
+              <a:off x="2542904" y="4757329"/>
+              <a:ext cx="1953759" cy="203657"/>
             </a:xfrm>
             <a:prstGeom prst="rect">
               <a:avLst/>
@@ -5019,8 +5019,8 @@
           </p:nvSpPr>
           <p:spPr>
             <a:xfrm>
-              <a:off x="2540745" y="4985295"/>
-              <a:ext cx="1913752" cy="203888"/>
+              <a:off x="2542904" y="4983615"/>
+              <a:ext cx="1913056" cy="203657"/>
             </a:xfrm>
             <a:prstGeom prst="rect">
               <a:avLst/>
@@ -5045,8 +5045,8 @@
           </p:nvSpPr>
           <p:spPr>
             <a:xfrm>
-              <a:off x="2540745" y="5211838"/>
-              <a:ext cx="1710161" cy="203888"/>
+              <a:off x="2542904" y="5209901"/>
+              <a:ext cx="1709539" cy="203657"/>
             </a:xfrm>
             <a:prstGeom prst="rect">
               <a:avLst/>
@@ -5071,8 +5071,8 @@
           </p:nvSpPr>
           <p:spPr>
             <a:xfrm>
-              <a:off x="2540745" y="5438381"/>
-              <a:ext cx="1547288" cy="203888"/>
+              <a:off x="2542904" y="5436187"/>
+              <a:ext cx="1546726" cy="203657"/>
             </a:xfrm>
             <a:prstGeom prst="rect">
               <a:avLst/>
@@ -5097,8 +5097,8 @@
           </p:nvSpPr>
           <p:spPr>
             <a:xfrm>
-              <a:off x="2540745" y="5664924"/>
-              <a:ext cx="1384416" cy="203888"/>
+              <a:off x="2542904" y="5662473"/>
+              <a:ext cx="1383913" cy="203657"/>
             </a:xfrm>
             <a:prstGeom prst="rect">
               <a:avLst/>
@@ -5123,8 +5123,8 @@
           </p:nvSpPr>
           <p:spPr>
             <a:xfrm>
-              <a:off x="2540745" y="5891467"/>
-              <a:ext cx="1343698" cy="203888"/>
+              <a:off x="2542904" y="5888758"/>
+              <a:ext cx="1343209" cy="203657"/>
             </a:xfrm>
             <a:prstGeom prst="rect">
               <a:avLst/>
@@ -5149,8 +5149,8 @@
           </p:nvSpPr>
           <p:spPr>
             <a:xfrm>
-              <a:off x="2540745" y="6118010"/>
-              <a:ext cx="1262262" cy="203888"/>
+              <a:off x="2542904" y="6115044"/>
+              <a:ext cx="1261803" cy="203657"/>
             </a:xfrm>
             <a:prstGeom prst="rect">
               <a:avLst/>
@@ -5175,8 +5175,8 @@
           </p:nvSpPr>
           <p:spPr>
             <a:xfrm>
-              <a:off x="2540745" y="6344553"/>
-              <a:ext cx="1140107" cy="203888"/>
+              <a:off x="2542904" y="6341330"/>
+              <a:ext cx="1139693" cy="203657"/>
             </a:xfrm>
             <a:prstGeom prst="rect">
               <a:avLst/>
@@ -5201,7 +5201,7 @@
           </p:nvSpPr>
           <p:spPr>
             <a:xfrm>
-              <a:off x="6666527" y="952447"/>
+              <a:off x="6666584" y="955278"/>
               <a:ext cx="1656193" cy="80298"/>
             </a:xfrm>
             <a:prstGeom prst="rect">
@@ -5247,7 +5247,7 @@
           </p:nvSpPr>
           <p:spPr>
             <a:xfrm>
-              <a:off x="6482916" y="1179043"/>
+              <a:off x="6483314" y="1181617"/>
               <a:ext cx="903286" cy="80245"/>
             </a:xfrm>
             <a:prstGeom prst="rect">
@@ -5293,7 +5293,7 @@
           </p:nvSpPr>
           <p:spPr>
             <a:xfrm>
-              <a:off x="5310813" y="1405533"/>
+              <a:off x="5311358" y="1407850"/>
               <a:ext cx="1668208" cy="80298"/>
             </a:xfrm>
             <a:prstGeom prst="rect">
@@ -5339,7 +5339,7 @@
           </p:nvSpPr>
           <p:spPr>
             <a:xfrm>
-              <a:off x="5889505" y="1632076"/>
+              <a:off x="5890243" y="1634136"/>
               <a:ext cx="560180" cy="80298"/>
             </a:xfrm>
             <a:prstGeom prst="rect">
@@ -5385,7 +5385,7 @@
           </p:nvSpPr>
           <p:spPr>
             <a:xfrm>
-              <a:off x="4743485" y="1858619"/>
+              <a:off x="4744267" y="1860422"/>
               <a:ext cx="1584046" cy="80298"/>
             </a:xfrm>
             <a:prstGeom prst="rect">
@@ -5431,7 +5431,7 @@
           </p:nvSpPr>
           <p:spPr>
             <a:xfrm>
-              <a:off x="3591536" y="2085215"/>
+              <a:off x="3592363" y="2086760"/>
               <a:ext cx="2613841" cy="80245"/>
             </a:xfrm>
             <a:prstGeom prst="rect">
@@ -5477,7 +5477,7 @@
           </p:nvSpPr>
           <p:spPr>
             <a:xfrm>
-              <a:off x="4228375" y="2311705"/>
+              <a:off x="4229246" y="2312993"/>
               <a:ext cx="1854847" cy="80298"/>
             </a:xfrm>
             <a:prstGeom prst="rect">
@@ -5523,7 +5523,7 @@
           </p:nvSpPr>
           <p:spPr>
             <a:xfrm>
-              <a:off x="4635382" y="2531844"/>
+              <a:off x="4636475" y="2532875"/>
               <a:ext cx="837068" cy="86702"/>
             </a:xfrm>
             <a:prstGeom prst="rect">
@@ -5569,7 +5569,7 @@
           </p:nvSpPr>
           <p:spPr>
             <a:xfrm>
-              <a:off x="4316043" y="2764791"/>
+              <a:off x="4317136" y="2765565"/>
               <a:ext cx="1156408" cy="80298"/>
             </a:xfrm>
             <a:prstGeom prst="rect">
@@ -5615,7 +5615,7 @@
           </p:nvSpPr>
           <p:spPr>
             <a:xfrm>
-              <a:off x="5228142" y="3006854"/>
+              <a:off x="5229324" y="3007371"/>
               <a:ext cx="2361090" cy="80298"/>
             </a:xfrm>
             <a:prstGeom prst="rect">
@@ -5661,7 +5661,7 @@
           </p:nvSpPr>
           <p:spPr>
             <a:xfrm>
-              <a:off x="5024551" y="3233397"/>
+              <a:off x="5025807" y="3233657"/>
               <a:ext cx="2824828" cy="80298"/>
             </a:xfrm>
             <a:prstGeom prst="rect">
@@ -5707,7 +5707,7 @@
           </p:nvSpPr>
           <p:spPr>
             <a:xfrm>
-              <a:off x="4820961" y="3459940"/>
+              <a:off x="4822291" y="3459943"/>
               <a:ext cx="2385227" cy="80298"/>
             </a:xfrm>
             <a:prstGeom prst="rect">
@@ -5753,7 +5753,7 @@
           </p:nvSpPr>
           <p:spPr>
             <a:xfrm>
-              <a:off x="4780243" y="3686536"/>
+              <a:off x="4781587" y="3686282"/>
               <a:ext cx="620311" cy="80245"/>
             </a:xfrm>
             <a:prstGeom prst="rect">
@@ -5799,7 +5799,7 @@
           </p:nvSpPr>
           <p:spPr>
             <a:xfrm>
-              <a:off x="4780243" y="3913026"/>
+              <a:off x="4781587" y="3912515"/>
               <a:ext cx="1024024" cy="80298"/>
             </a:xfrm>
             <a:prstGeom prst="rect">
@@ -5845,7 +5845,7 @@
           </p:nvSpPr>
           <p:spPr>
             <a:xfrm>
-              <a:off x="4576652" y="4139569"/>
+              <a:off x="4578071" y="4138801"/>
               <a:ext cx="1541912" cy="80298"/>
             </a:xfrm>
             <a:prstGeom prst="rect">
@@ -5891,7 +5891,7 @@
           </p:nvSpPr>
           <p:spPr>
             <a:xfrm>
-              <a:off x="4576652" y="4366112"/>
+              <a:off x="4578071" y="4365087"/>
               <a:ext cx="2132159" cy="80298"/>
             </a:xfrm>
             <a:prstGeom prst="rect">
@@ -5937,7 +5937,7 @@
           </p:nvSpPr>
           <p:spPr>
             <a:xfrm>
-              <a:off x="4535934" y="4587944"/>
+              <a:off x="4537367" y="4586662"/>
               <a:ext cx="1451663" cy="85008"/>
             </a:xfrm>
             <a:prstGeom prst="rect">
@@ -5983,7 +5983,7 @@
           </p:nvSpPr>
           <p:spPr>
             <a:xfrm>
-              <a:off x="4535934" y="4819198"/>
+              <a:off x="4537367" y="4817659"/>
               <a:ext cx="2054084" cy="80298"/>
             </a:xfrm>
             <a:prstGeom prst="rect">
@@ -6029,7 +6029,7 @@
           </p:nvSpPr>
           <p:spPr>
             <a:xfrm>
-              <a:off x="4495216" y="5045794"/>
+              <a:off x="4496664" y="5043998"/>
               <a:ext cx="530009" cy="80245"/>
             </a:xfrm>
             <a:prstGeom prst="rect">
@@ -6075,7 +6075,7 @@
           </p:nvSpPr>
           <p:spPr>
             <a:xfrm>
-              <a:off x="4291625" y="5272284"/>
+              <a:off x="4293148" y="5270231"/>
               <a:ext cx="1240887" cy="80298"/>
             </a:xfrm>
             <a:prstGeom prst="rect">
@@ -6121,7 +6121,7 @@
           </p:nvSpPr>
           <p:spPr>
             <a:xfrm>
-              <a:off x="4128752" y="5498827"/>
+              <a:off x="4130334" y="5496516"/>
               <a:ext cx="3373205" cy="80298"/>
             </a:xfrm>
             <a:prstGeom prst="rect">
@@ -6167,7 +6167,7 @@
           </p:nvSpPr>
           <p:spPr>
             <a:xfrm>
-              <a:off x="3965880" y="5725370"/>
+              <a:off x="3967521" y="5722802"/>
               <a:ext cx="2963564" cy="80298"/>
             </a:xfrm>
             <a:prstGeom prst="rect">
@@ -6213,7 +6213,7 @@
           </p:nvSpPr>
           <p:spPr>
             <a:xfrm>
-              <a:off x="3925162" y="5951913"/>
+              <a:off x="3926818" y="5949088"/>
               <a:ext cx="3035604" cy="80298"/>
             </a:xfrm>
             <a:prstGeom prst="rect">
@@ -6259,7 +6259,7 @@
           </p:nvSpPr>
           <p:spPr>
             <a:xfrm>
-              <a:off x="3843726" y="6178456"/>
+              <a:off x="3845411" y="6175374"/>
               <a:ext cx="2873208" cy="80298"/>
             </a:xfrm>
             <a:prstGeom prst="rect">
@@ -6305,7 +6305,7 @@
           </p:nvSpPr>
           <p:spPr>
             <a:xfrm>
-              <a:off x="3721571" y="6404999"/>
+              <a:off x="3723301" y="6401660"/>
               <a:ext cx="2915554" cy="80298"/>
             </a:xfrm>
             <a:prstGeom prst="rect">
@@ -6351,8 +6351,8 @@
           </p:nvSpPr>
           <p:spPr>
             <a:xfrm>
-              <a:off x="2540745" y="873540"/>
-              <a:ext cx="5939146" cy="5708882"/>
+              <a:off x="2542904" y="876525"/>
+              <a:ext cx="5936987" cy="5702405"/>
             </a:xfrm>
             <a:prstGeom prst="rect">
               <a:avLst/>
@@ -6381,7 +6381,7 @@
           </p:nvSpPr>
           <p:spPr>
             <a:xfrm>
-              <a:off x="2381640" y="6404806"/>
+              <a:off x="2383799" y="6401467"/>
               <a:ext cx="124311" cy="81691"/>
             </a:xfrm>
             <a:prstGeom prst="rect">
@@ -6427,7 +6427,7 @@
           </p:nvSpPr>
           <p:spPr>
             <a:xfrm>
-              <a:off x="2381640" y="6179627"/>
+              <a:off x="2383799" y="6176546"/>
               <a:ext cx="124311" cy="80327"/>
             </a:xfrm>
             <a:prstGeom prst="rect">
@@ -6473,7 +6473,7 @@
           </p:nvSpPr>
           <p:spPr>
             <a:xfrm>
-              <a:off x="2381640" y="5951720"/>
+              <a:off x="2383799" y="5948895"/>
               <a:ext cx="124311" cy="81691"/>
             </a:xfrm>
             <a:prstGeom prst="rect">
@@ -6519,7 +6519,7 @@
           </p:nvSpPr>
           <p:spPr>
             <a:xfrm>
-              <a:off x="2381640" y="5726541"/>
+              <a:off x="2383799" y="5723974"/>
               <a:ext cx="124311" cy="80327"/>
             </a:xfrm>
             <a:prstGeom prst="rect">
@@ -6565,7 +6565,7 @@
           </p:nvSpPr>
           <p:spPr>
             <a:xfrm>
-              <a:off x="2381640" y="5499998"/>
+              <a:off x="2383799" y="5497688"/>
               <a:ext cx="124311" cy="80327"/>
             </a:xfrm>
             <a:prstGeom prst="rect">
@@ -6611,7 +6611,7 @@
           </p:nvSpPr>
           <p:spPr>
             <a:xfrm>
-              <a:off x="2381640" y="5272091"/>
+              <a:off x="2383799" y="5270038"/>
               <a:ext cx="124311" cy="81691"/>
             </a:xfrm>
             <a:prstGeom prst="rect">
@@ -6657,7 +6657,7 @@
           </p:nvSpPr>
           <p:spPr>
             <a:xfrm>
-              <a:off x="2381640" y="5045493"/>
+              <a:off x="2383799" y="5043697"/>
               <a:ext cx="124311" cy="81746"/>
             </a:xfrm>
             <a:prstGeom prst="rect">
@@ -6703,7 +6703,7 @@
           </p:nvSpPr>
           <p:spPr>
             <a:xfrm>
-              <a:off x="2381640" y="4818950"/>
+              <a:off x="2383799" y="4817411"/>
               <a:ext cx="124311" cy="81746"/>
             </a:xfrm>
             <a:prstGeom prst="rect">
@@ -6749,7 +6749,7 @@
           </p:nvSpPr>
           <p:spPr>
             <a:xfrm>
-              <a:off x="2381640" y="4593826"/>
+              <a:off x="2383799" y="4592544"/>
               <a:ext cx="124311" cy="80327"/>
             </a:xfrm>
             <a:prstGeom prst="rect">
@@ -6795,7 +6795,7 @@
           </p:nvSpPr>
           <p:spPr>
             <a:xfrm>
-              <a:off x="2381640" y="4365919"/>
+              <a:off x="2383799" y="4364894"/>
               <a:ext cx="124311" cy="81691"/>
             </a:xfrm>
             <a:prstGeom prst="rect">
@@ -6841,7 +6841,7 @@
           </p:nvSpPr>
           <p:spPr>
             <a:xfrm>
-              <a:off x="2381640" y="4139376"/>
+              <a:off x="2383799" y="4138608"/>
               <a:ext cx="124311" cy="81691"/>
             </a:xfrm>
             <a:prstGeom prst="rect">
@@ -6887,7 +6887,7 @@
           </p:nvSpPr>
           <p:spPr>
             <a:xfrm>
-              <a:off x="2381640" y="3914197"/>
+              <a:off x="2383799" y="3913686"/>
               <a:ext cx="124311" cy="80327"/>
             </a:xfrm>
             <a:prstGeom prst="rect">
@@ -6933,7 +6933,7 @@
           </p:nvSpPr>
           <p:spPr>
             <a:xfrm>
-              <a:off x="2381640" y="3686290"/>
+              <a:off x="2383799" y="3686036"/>
               <a:ext cx="124311" cy="81691"/>
             </a:xfrm>
             <a:prstGeom prst="rect">
@@ -6979,7 +6979,7 @@
           </p:nvSpPr>
           <p:spPr>
             <a:xfrm>
-              <a:off x="2381640" y="3461111"/>
+              <a:off x="2383799" y="3461114"/>
               <a:ext cx="124311" cy="80327"/>
             </a:xfrm>
             <a:prstGeom prst="rect">
@@ -7025,7 +7025,7 @@
           </p:nvSpPr>
           <p:spPr>
             <a:xfrm>
-              <a:off x="2381640" y="3234568"/>
+              <a:off x="2383799" y="3234828"/>
               <a:ext cx="124311" cy="80327"/>
             </a:xfrm>
             <a:prstGeom prst="rect">
@@ -7071,7 +7071,7 @@
           </p:nvSpPr>
           <p:spPr>
             <a:xfrm>
-              <a:off x="2381640" y="3006661"/>
+              <a:off x="2383799" y="3007178"/>
               <a:ext cx="124311" cy="81691"/>
             </a:xfrm>
             <a:prstGeom prst="rect">
@@ -7117,7 +7117,7 @@
           </p:nvSpPr>
           <p:spPr>
             <a:xfrm>
-              <a:off x="2443795" y="2780063"/>
+              <a:off x="2445954" y="2780838"/>
               <a:ext cx="62155" cy="81746"/>
             </a:xfrm>
             <a:prstGeom prst="rect">
@@ -7163,7 +7163,7 @@
           </p:nvSpPr>
           <p:spPr>
             <a:xfrm>
-              <a:off x="2443795" y="2553521"/>
+              <a:off x="2445954" y="2554552"/>
               <a:ext cx="62155" cy="81746"/>
             </a:xfrm>
             <a:prstGeom prst="rect">
@@ -7209,7 +7209,7 @@
           </p:nvSpPr>
           <p:spPr>
             <a:xfrm>
-              <a:off x="2443795" y="2329815"/>
+              <a:off x="2445954" y="2331103"/>
               <a:ext cx="62155" cy="78908"/>
             </a:xfrm>
             <a:prstGeom prst="rect">
@@ -7255,7 +7255,7 @@
           </p:nvSpPr>
           <p:spPr>
             <a:xfrm>
-              <a:off x="2443795" y="2100489"/>
+              <a:off x="2445954" y="2102034"/>
               <a:ext cx="62155" cy="81691"/>
             </a:xfrm>
             <a:prstGeom prst="rect">
@@ -7301,7 +7301,7 @@
           </p:nvSpPr>
           <p:spPr>
             <a:xfrm>
-              <a:off x="2443795" y="1875365"/>
+              <a:off x="2445954" y="1877167"/>
               <a:ext cx="62155" cy="80272"/>
             </a:xfrm>
             <a:prstGeom prst="rect">
@@ -7347,7 +7347,7 @@
           </p:nvSpPr>
           <p:spPr>
             <a:xfrm>
-              <a:off x="2443795" y="1648767"/>
+              <a:off x="2445954" y="1650827"/>
               <a:ext cx="62155" cy="80327"/>
             </a:xfrm>
             <a:prstGeom prst="rect">
@@ -7393,7 +7393,7 @@
           </p:nvSpPr>
           <p:spPr>
             <a:xfrm>
-              <a:off x="2443795" y="1420860"/>
+              <a:off x="2445954" y="1423176"/>
               <a:ext cx="62155" cy="81691"/>
             </a:xfrm>
             <a:prstGeom prst="rect">
@@ -7439,7 +7439,7 @@
           </p:nvSpPr>
           <p:spPr>
             <a:xfrm>
-              <a:off x="2443795" y="1195681"/>
+              <a:off x="2445954" y="1198255"/>
               <a:ext cx="62155" cy="80327"/>
             </a:xfrm>
             <a:prstGeom prst="rect">
@@ -7485,7 +7485,7 @@
           </p:nvSpPr>
           <p:spPr>
             <a:xfrm>
-              <a:off x="2443795" y="969139"/>
+              <a:off x="2445954" y="971969"/>
               <a:ext cx="62155" cy="80327"/>
             </a:xfrm>
             <a:prstGeom prst="rect">
@@ -7531,7 +7531,7 @@
           </p:nvSpPr>
           <p:spPr>
             <a:xfrm>
-              <a:off x="2505951" y="6446497"/>
+              <a:off x="2508110" y="6443159"/>
               <a:ext cx="34794" cy="0"/>
             </a:xfrm>
             <a:custGeom>
@@ -7571,7 +7571,7 @@
           </p:nvSpPr>
           <p:spPr>
             <a:xfrm>
-              <a:off x="2505951" y="6219954"/>
+              <a:off x="2508110" y="6216873"/>
               <a:ext cx="34794" cy="0"/>
             </a:xfrm>
             <a:custGeom>
@@ -7611,7 +7611,7 @@
           </p:nvSpPr>
           <p:spPr>
             <a:xfrm>
-              <a:off x="2505951" y="5993411"/>
+              <a:off x="2508110" y="5990587"/>
               <a:ext cx="34794" cy="0"/>
             </a:xfrm>
             <a:custGeom>
@@ -7651,7 +7651,7 @@
           </p:nvSpPr>
           <p:spPr>
             <a:xfrm>
-              <a:off x="2505951" y="5766868"/>
+              <a:off x="2508110" y="5764301"/>
               <a:ext cx="34794" cy="0"/>
             </a:xfrm>
             <a:custGeom>
@@ -7691,7 +7691,7 @@
           </p:nvSpPr>
           <p:spPr>
             <a:xfrm>
-              <a:off x="2505951" y="5540325"/>
+              <a:off x="2508110" y="5538015"/>
               <a:ext cx="34794" cy="0"/>
             </a:xfrm>
             <a:custGeom>
@@ -7731,7 +7731,7 @@
           </p:nvSpPr>
           <p:spPr>
             <a:xfrm>
-              <a:off x="2505951" y="5313782"/>
+              <a:off x="2508110" y="5311729"/>
               <a:ext cx="34794" cy="0"/>
             </a:xfrm>
             <a:custGeom>
@@ -7771,7 +7771,7 @@
           </p:nvSpPr>
           <p:spPr>
             <a:xfrm>
-              <a:off x="2505951" y="5087240"/>
+              <a:off x="2508110" y="5085443"/>
               <a:ext cx="34794" cy="0"/>
             </a:xfrm>
             <a:custGeom>
@@ -7811,7 +7811,7 @@
           </p:nvSpPr>
           <p:spPr>
             <a:xfrm>
-              <a:off x="2505951" y="4860697"/>
+              <a:off x="2508110" y="4859157"/>
               <a:ext cx="34794" cy="0"/>
             </a:xfrm>
             <a:custGeom>
@@ -7851,7 +7851,7 @@
           </p:nvSpPr>
           <p:spPr>
             <a:xfrm>
-              <a:off x="2505951" y="4634154"/>
+              <a:off x="2508110" y="4632871"/>
               <a:ext cx="34794" cy="0"/>
             </a:xfrm>
             <a:custGeom>
@@ -7891,7 +7891,7 @@
           </p:nvSpPr>
           <p:spPr>
             <a:xfrm>
-              <a:off x="2505951" y="4407611"/>
+              <a:off x="2508110" y="4406586"/>
               <a:ext cx="34794" cy="0"/>
             </a:xfrm>
             <a:custGeom>
@@ -7931,7 +7931,7 @@
           </p:nvSpPr>
           <p:spPr>
             <a:xfrm>
-              <a:off x="2505951" y="4181068"/>
+              <a:off x="2508110" y="4180300"/>
               <a:ext cx="34794" cy="0"/>
             </a:xfrm>
             <a:custGeom>
@@ -7971,7 +7971,7 @@
           </p:nvSpPr>
           <p:spPr>
             <a:xfrm>
-              <a:off x="2505951" y="3954525"/>
+              <a:off x="2508110" y="3954014"/>
               <a:ext cx="34794" cy="0"/>
             </a:xfrm>
             <a:custGeom>
@@ -8011,7 +8011,7 @@
           </p:nvSpPr>
           <p:spPr>
             <a:xfrm>
-              <a:off x="2505951" y="3727982"/>
+              <a:off x="2508110" y="3727728"/>
               <a:ext cx="34794" cy="0"/>
             </a:xfrm>
             <a:custGeom>
@@ -8051,7 +8051,7 @@
           </p:nvSpPr>
           <p:spPr>
             <a:xfrm>
-              <a:off x="2505951" y="3501439"/>
+              <a:off x="2508110" y="3501442"/>
               <a:ext cx="34794" cy="0"/>
             </a:xfrm>
             <a:custGeom>
@@ -8091,7 +8091,7 @@
           </p:nvSpPr>
           <p:spPr>
             <a:xfrm>
-              <a:off x="2505951" y="3274896"/>
+              <a:off x="2508110" y="3275156"/>
               <a:ext cx="34794" cy="0"/>
             </a:xfrm>
             <a:custGeom>
@@ -8131,7 +8131,7 @@
           </p:nvSpPr>
           <p:spPr>
             <a:xfrm>
-              <a:off x="2505951" y="3048353"/>
+              <a:off x="2508110" y="3048870"/>
               <a:ext cx="34794" cy="0"/>
             </a:xfrm>
             <a:custGeom>
@@ -8171,7 +8171,7 @@
           </p:nvSpPr>
           <p:spPr>
             <a:xfrm>
-              <a:off x="2505951" y="2821810"/>
+              <a:off x="2508110" y="2822584"/>
               <a:ext cx="34794" cy="0"/>
             </a:xfrm>
             <a:custGeom>
@@ -8211,7 +8211,7 @@
           </p:nvSpPr>
           <p:spPr>
             <a:xfrm>
-              <a:off x="2505951" y="2595267"/>
+              <a:off x="2508110" y="2596298"/>
               <a:ext cx="34794" cy="0"/>
             </a:xfrm>
             <a:custGeom>
@@ -8251,7 +8251,7 @@
           </p:nvSpPr>
           <p:spPr>
             <a:xfrm>
-              <a:off x="2505951" y="2368724"/>
+              <a:off x="2508110" y="2370012"/>
               <a:ext cx="34794" cy="0"/>
             </a:xfrm>
             <a:custGeom>
@@ -8291,7 +8291,7 @@
           </p:nvSpPr>
           <p:spPr>
             <a:xfrm>
-              <a:off x="2505951" y="2142181"/>
+              <a:off x="2508110" y="2143726"/>
               <a:ext cx="34794" cy="0"/>
             </a:xfrm>
             <a:custGeom>
@@ -8331,7 +8331,7 @@
           </p:nvSpPr>
           <p:spPr>
             <a:xfrm>
-              <a:off x="2505951" y="1915638"/>
+              <a:off x="2508110" y="1917440"/>
               <a:ext cx="34794" cy="0"/>
             </a:xfrm>
             <a:custGeom>
@@ -8371,7 +8371,7 @@
           </p:nvSpPr>
           <p:spPr>
             <a:xfrm>
-              <a:off x="2505951" y="1689095"/>
+              <a:off x="2508110" y="1691154"/>
               <a:ext cx="34794" cy="0"/>
             </a:xfrm>
             <a:custGeom>
@@ -8411,7 +8411,7 @@
           </p:nvSpPr>
           <p:spPr>
             <a:xfrm>
-              <a:off x="2505951" y="1462552"/>
+              <a:off x="2508110" y="1464868"/>
               <a:ext cx="34794" cy="0"/>
             </a:xfrm>
             <a:custGeom>
@@ -8451,7 +8451,7 @@
           </p:nvSpPr>
           <p:spPr>
             <a:xfrm>
-              <a:off x="2505951" y="1236009"/>
+              <a:off x="2508110" y="1238582"/>
               <a:ext cx="34794" cy="0"/>
             </a:xfrm>
             <a:custGeom>
@@ -8491,7 +8491,7 @@
           </p:nvSpPr>
           <p:spPr>
             <a:xfrm>
-              <a:off x="2505951" y="1009466"/>
+              <a:off x="2508110" y="1012296"/>
               <a:ext cx="34794" cy="0"/>
             </a:xfrm>
             <a:custGeom>
@@ -8531,7 +8531,7 @@
           </p:nvSpPr>
           <p:spPr>
             <a:xfrm>
-              <a:off x="2540745" y="6582423"/>
+              <a:off x="2542904" y="6578931"/>
               <a:ext cx="0" cy="34794"/>
             </a:xfrm>
             <a:custGeom>
@@ -8571,7 +8571,7 @@
           </p:nvSpPr>
           <p:spPr>
             <a:xfrm>
-              <a:off x="4576652" y="6582423"/>
+              <a:off x="4578071" y="6578931"/>
               <a:ext cx="0" cy="34794"/>
             </a:xfrm>
             <a:custGeom>
@@ -8611,7 +8611,7 @@
           </p:nvSpPr>
           <p:spPr>
             <a:xfrm>
-              <a:off x="6612558" y="6582423"/>
+              <a:off x="6613237" y="6578931"/>
               <a:ext cx="0" cy="34794"/>
             </a:xfrm>
             <a:custGeom>
@@ -8651,7 +8651,7 @@
           </p:nvSpPr>
           <p:spPr>
             <a:xfrm>
-              <a:off x="2509668" y="6643362"/>
+              <a:off x="2511827" y="6639869"/>
               <a:ext cx="62155" cy="81691"/>
             </a:xfrm>
             <a:prstGeom prst="rect">
@@ -8697,7 +8697,7 @@
           </p:nvSpPr>
           <p:spPr>
             <a:xfrm>
-              <a:off x="4514496" y="6643362"/>
+              <a:off x="4515915" y="6639869"/>
               <a:ext cx="124311" cy="81691"/>
             </a:xfrm>
             <a:prstGeom prst="rect">
@@ -8743,7 +8743,7 @@
           </p:nvSpPr>
           <p:spPr>
             <a:xfrm>
-              <a:off x="6519325" y="6643362"/>
+              <a:off x="6520004" y="6639869"/>
               <a:ext cx="186466" cy="81691"/>
             </a:xfrm>
             <a:prstGeom prst="rect">
@@ -8789,7 +8789,7 @@
           </p:nvSpPr>
           <p:spPr>
             <a:xfrm>
-              <a:off x="5285148" y="6782023"/>
+              <a:off x="5286227" y="6779864"/>
               <a:ext cx="450341" cy="101637"/>
             </a:xfrm>
             <a:prstGeom prst="rect">
@@ -8835,7 +8835,7 @@
           </p:nvSpPr>
           <p:spPr>
             <a:xfrm>
-              <a:off x="2540745" y="646521"/>
+              <a:off x="2542904" y="646521"/>
               <a:ext cx="978254" cy="124092"/>
             </a:xfrm>
             <a:prstGeom prst="rect">

--- a/_book/plot/china-source-1.pptx
+++ b/_book/plot/china-source-1.pptx
@@ -7,14 +7,14 @@
   <p:sldIdLst xmlns:a="http://schemas.openxmlformats.org/drawingml/2006/main" xmlns:r="http://schemas.openxmlformats.org/officeDocument/2006/relationships" xmlns:p="http://schemas.openxmlformats.org/presentationml/2006/main">
     <p:sldId id="256" r:id="rId6"/>
   </p:sldIdLst>
-  <p:sldSz cx="10698163" cy="7562850"/>
+  <p:sldSz cx="15087600" cy="10698163"/>
   <p:notesSz cx="6858000" cy="9144000"/>
   <p:defaultTextStyle>
     <a:defPPr>
       <a:defRPr lang="en-US"/>
     </a:defPPr>
-    <a:lvl1pPr marL="0" algn="l" defTabSz="995964" rtl="0" eaLnBrk="1" latinLnBrk="0" hangingPunct="1">
-      <a:defRPr sz="2000" kern="1200">
+    <a:lvl1pPr marL="0" algn="l" defTabSz="1052474" rtl="0" eaLnBrk="1" latinLnBrk="0" hangingPunct="1">
+      <a:defRPr sz="2100" kern="1200">
         <a:solidFill>
           <a:schemeClr val="tx1"/>
         </a:solidFill>
@@ -23,8 +23,8 @@
         <a:cs typeface="+mn-cs"/>
       </a:defRPr>
     </a:lvl1pPr>
-    <a:lvl2pPr marL="497982" algn="l" defTabSz="995964" rtl="0" eaLnBrk="1" latinLnBrk="0" hangingPunct="1">
-      <a:defRPr sz="2000" kern="1200">
+    <a:lvl2pPr marL="526237" algn="l" defTabSz="1052474" rtl="0" eaLnBrk="1" latinLnBrk="0" hangingPunct="1">
+      <a:defRPr sz="2100" kern="1200">
         <a:solidFill>
           <a:schemeClr val="tx1"/>
         </a:solidFill>
@@ -33,8 +33,8 @@
         <a:cs typeface="+mn-cs"/>
       </a:defRPr>
     </a:lvl2pPr>
-    <a:lvl3pPr marL="995964" algn="l" defTabSz="995964" rtl="0" eaLnBrk="1" latinLnBrk="0" hangingPunct="1">
-      <a:defRPr sz="2000" kern="1200">
+    <a:lvl3pPr marL="1052474" algn="l" defTabSz="1052474" rtl="0" eaLnBrk="1" latinLnBrk="0" hangingPunct="1">
+      <a:defRPr sz="2100" kern="1200">
         <a:solidFill>
           <a:schemeClr val="tx1"/>
         </a:solidFill>
@@ -43,8 +43,8 @@
         <a:cs typeface="+mn-cs"/>
       </a:defRPr>
     </a:lvl3pPr>
-    <a:lvl4pPr marL="1493947" algn="l" defTabSz="995964" rtl="0" eaLnBrk="1" latinLnBrk="0" hangingPunct="1">
-      <a:defRPr sz="2000" kern="1200">
+    <a:lvl4pPr marL="1578712" algn="l" defTabSz="1052474" rtl="0" eaLnBrk="1" latinLnBrk="0" hangingPunct="1">
+      <a:defRPr sz="2100" kern="1200">
         <a:solidFill>
           <a:schemeClr val="tx1"/>
         </a:solidFill>
@@ -53,8 +53,8 @@
         <a:cs typeface="+mn-cs"/>
       </a:defRPr>
     </a:lvl4pPr>
-    <a:lvl5pPr marL="1991929" algn="l" defTabSz="995964" rtl="0" eaLnBrk="1" latinLnBrk="0" hangingPunct="1">
-      <a:defRPr sz="2000" kern="1200">
+    <a:lvl5pPr marL="2104949" algn="l" defTabSz="1052474" rtl="0" eaLnBrk="1" latinLnBrk="0" hangingPunct="1">
+      <a:defRPr sz="2100" kern="1200">
         <a:solidFill>
           <a:schemeClr val="tx1"/>
         </a:solidFill>
@@ -63,8 +63,8 @@
         <a:cs typeface="+mn-cs"/>
       </a:defRPr>
     </a:lvl5pPr>
-    <a:lvl6pPr marL="2489911" algn="l" defTabSz="995964" rtl="0" eaLnBrk="1" latinLnBrk="0" hangingPunct="1">
-      <a:defRPr sz="2000" kern="1200">
+    <a:lvl6pPr marL="2631186" algn="l" defTabSz="1052474" rtl="0" eaLnBrk="1" latinLnBrk="0" hangingPunct="1">
+      <a:defRPr sz="2100" kern="1200">
         <a:solidFill>
           <a:schemeClr val="tx1"/>
         </a:solidFill>
@@ -73,8 +73,8 @@
         <a:cs typeface="+mn-cs"/>
       </a:defRPr>
     </a:lvl6pPr>
-    <a:lvl7pPr marL="2987893" algn="l" defTabSz="995964" rtl="0" eaLnBrk="1" latinLnBrk="0" hangingPunct="1">
-      <a:defRPr sz="2000" kern="1200">
+    <a:lvl7pPr marL="3157423" algn="l" defTabSz="1052474" rtl="0" eaLnBrk="1" latinLnBrk="0" hangingPunct="1">
+      <a:defRPr sz="2100" kern="1200">
         <a:solidFill>
           <a:schemeClr val="tx1"/>
         </a:solidFill>
@@ -83,8 +83,8 @@
         <a:cs typeface="+mn-cs"/>
       </a:defRPr>
     </a:lvl7pPr>
-    <a:lvl8pPr marL="3485876" algn="l" defTabSz="995964" rtl="0" eaLnBrk="1" latinLnBrk="0" hangingPunct="1">
-      <a:defRPr sz="2000" kern="1200">
+    <a:lvl8pPr marL="3683660" algn="l" defTabSz="1052474" rtl="0" eaLnBrk="1" latinLnBrk="0" hangingPunct="1">
+      <a:defRPr sz="2100" kern="1200">
         <a:solidFill>
           <a:schemeClr val="tx1"/>
         </a:solidFill>
@@ -93,8 +93,8 @@
         <a:cs typeface="+mn-cs"/>
       </a:defRPr>
     </a:lvl8pPr>
-    <a:lvl9pPr marL="3983858" algn="l" defTabSz="995964" rtl="0" eaLnBrk="1" latinLnBrk="0" hangingPunct="1">
-      <a:defRPr sz="2000" kern="1200">
+    <a:lvl9pPr marL="4209898" algn="l" defTabSz="1052474" rtl="0" eaLnBrk="1" latinLnBrk="0" hangingPunct="1">
+      <a:defRPr sz="2100" kern="1200">
         <a:solidFill>
           <a:schemeClr val="tx1"/>
         </a:solidFill>
@@ -136,8 +136,8 @@
         </p:nvSpPr>
         <p:spPr>
           <a:xfrm>
-            <a:off x="802362" y="2349388"/>
-            <a:ext cx="9093439" cy="1621111"/>
+            <a:off x="1131570" y="3323370"/>
+            <a:ext cx="12824460" cy="2293171"/>
           </a:xfrm>
         </p:spPr>
         <p:txBody>
@@ -164,8 +164,8 @@
         </p:nvSpPr>
         <p:spPr>
           <a:xfrm>
-            <a:off x="1604725" y="4285615"/>
-            <a:ext cx="7488714" cy="1932728"/>
+            <a:off x="2263140" y="6062292"/>
+            <a:ext cx="10561320" cy="2733975"/>
           </a:xfrm>
         </p:spPr>
         <p:txBody>
@@ -181,7 +181,7 @@
                 </a:solidFill>
               </a:defRPr>
             </a:lvl1pPr>
-            <a:lvl2pPr marL="497982" indent="0" algn="ctr">
+            <a:lvl2pPr marL="526237" indent="0" algn="ctr">
               <a:buNone/>
               <a:defRPr>
                 <a:solidFill>
@@ -191,7 +191,7 @@
                 </a:solidFill>
               </a:defRPr>
             </a:lvl2pPr>
-            <a:lvl3pPr marL="995964" indent="0" algn="ctr">
+            <a:lvl3pPr marL="1052474" indent="0" algn="ctr">
               <a:buNone/>
               <a:defRPr>
                 <a:solidFill>
@@ -201,7 +201,7 @@
                 </a:solidFill>
               </a:defRPr>
             </a:lvl3pPr>
-            <a:lvl4pPr marL="1493947" indent="0" algn="ctr">
+            <a:lvl4pPr marL="1578712" indent="0" algn="ctr">
               <a:buNone/>
               <a:defRPr>
                 <a:solidFill>
@@ -211,7 +211,7 @@
                 </a:solidFill>
               </a:defRPr>
             </a:lvl4pPr>
-            <a:lvl5pPr marL="1991929" indent="0" algn="ctr">
+            <a:lvl5pPr marL="2104949" indent="0" algn="ctr">
               <a:buNone/>
               <a:defRPr>
                 <a:solidFill>
@@ -221,7 +221,7 @@
                 </a:solidFill>
               </a:defRPr>
             </a:lvl5pPr>
-            <a:lvl6pPr marL="2489911" indent="0" algn="ctr">
+            <a:lvl6pPr marL="2631186" indent="0" algn="ctr">
               <a:buNone/>
               <a:defRPr>
                 <a:solidFill>
@@ -231,7 +231,7 @@
                 </a:solidFill>
               </a:defRPr>
             </a:lvl6pPr>
-            <a:lvl7pPr marL="2987893" indent="0" algn="ctr">
+            <a:lvl7pPr marL="3157423" indent="0" algn="ctr">
               <a:buNone/>
               <a:defRPr>
                 <a:solidFill>
@@ -241,7 +241,7 @@
                 </a:solidFill>
               </a:defRPr>
             </a:lvl7pPr>
-            <a:lvl8pPr marL="3485876" indent="0" algn="ctr">
+            <a:lvl8pPr marL="3683660" indent="0" algn="ctr">
               <a:buNone/>
               <a:defRPr>
                 <a:solidFill>
@@ -251,7 +251,7 @@
                 </a:solidFill>
               </a:defRPr>
             </a:lvl8pPr>
-            <a:lvl9pPr marL="3983858" indent="0" algn="ctr">
+            <a:lvl9pPr marL="4209898" indent="0" algn="ctr">
               <a:buNone/>
               <a:defRPr>
                 <a:solidFill>
@@ -548,8 +548,8 @@
         </p:nvSpPr>
         <p:spPr>
           <a:xfrm>
-            <a:off x="8402515" y="302867"/>
-            <a:ext cx="2607678" cy="6452932"/>
+            <a:off x="11850052" y="428427"/>
+            <a:ext cx="3677604" cy="9128109"/>
           </a:xfrm>
         </p:spPr>
         <p:txBody>
@@ -576,8 +576,8 @@
         </p:nvSpPr>
         <p:spPr>
           <a:xfrm>
-            <a:off x="579485" y="302867"/>
-            <a:ext cx="7644730" cy="6452932"/>
+            <a:off x="817249" y="428427"/>
+            <a:ext cx="10781349" cy="9128109"/>
           </a:xfrm>
         </p:spPr>
         <p:txBody>
@@ -898,15 +898,15 @@
         </p:nvSpPr>
         <p:spPr>
           <a:xfrm>
-            <a:off x="845081" y="4859833"/>
-            <a:ext cx="9093439" cy="1502066"/>
+            <a:off x="1191817" y="6874563"/>
+            <a:ext cx="12824460" cy="2124774"/>
           </a:xfrm>
         </p:spPr>
         <p:txBody>
           <a:bodyPr anchor="t"/>
           <a:lstStyle>
             <a:lvl1pPr algn="l">
-              <a:defRPr sz="4400" b="1" cap="all"/>
+              <a:defRPr sz="4600" b="1" cap="all"/>
             </a:lvl1pPr>
           </a:lstStyle>
           <a:p>
@@ -930,8 +930,8 @@
         </p:nvSpPr>
         <p:spPr>
           <a:xfrm>
-            <a:off x="845081" y="3205460"/>
-            <a:ext cx="9093439" cy="1654373"/>
+            <a:off x="1191817" y="4534341"/>
+            <a:ext cx="12824460" cy="2340223"/>
           </a:xfrm>
         </p:spPr>
         <p:txBody>
@@ -939,7 +939,7 @@
           <a:lstStyle>
             <a:lvl1pPr marL="0" indent="0">
               <a:buNone/>
-              <a:defRPr sz="2200">
+              <a:defRPr sz="2300">
                 <a:solidFill>
                   <a:schemeClr val="tx1">
                     <a:tint val="75000"/>
@@ -947,9 +947,9 @@
                 </a:solidFill>
               </a:defRPr>
             </a:lvl1pPr>
-            <a:lvl2pPr marL="497982" indent="0">
+            <a:lvl2pPr marL="526237" indent="0">
               <a:buNone/>
-              <a:defRPr sz="2000">
+              <a:defRPr sz="2100">
                 <a:solidFill>
                   <a:schemeClr val="tx1">
                     <a:tint val="75000"/>
@@ -957,9 +957,9 @@
                 </a:solidFill>
               </a:defRPr>
             </a:lvl2pPr>
-            <a:lvl3pPr marL="995964" indent="0">
+            <a:lvl3pPr marL="1052474" indent="0">
               <a:buNone/>
-              <a:defRPr sz="1700">
+              <a:defRPr sz="1800">
                 <a:solidFill>
                   <a:schemeClr val="tx1">
                     <a:tint val="75000"/>
@@ -967,9 +967,9 @@
                 </a:solidFill>
               </a:defRPr>
             </a:lvl3pPr>
-            <a:lvl4pPr marL="1493947" indent="0">
+            <a:lvl4pPr marL="1578712" indent="0">
               <a:buNone/>
-              <a:defRPr sz="1500">
+              <a:defRPr sz="1600">
                 <a:solidFill>
                   <a:schemeClr val="tx1">
                     <a:tint val="75000"/>
@@ -977,9 +977,9 @@
                 </a:solidFill>
               </a:defRPr>
             </a:lvl4pPr>
-            <a:lvl5pPr marL="1991929" indent="0">
+            <a:lvl5pPr marL="2104949" indent="0">
               <a:buNone/>
-              <a:defRPr sz="1500">
+              <a:defRPr sz="1600">
                 <a:solidFill>
                   <a:schemeClr val="tx1">
                     <a:tint val="75000"/>
@@ -987,9 +987,9 @@
                 </a:solidFill>
               </a:defRPr>
             </a:lvl5pPr>
-            <a:lvl6pPr marL="2489911" indent="0">
+            <a:lvl6pPr marL="2631186" indent="0">
               <a:buNone/>
-              <a:defRPr sz="1500">
+              <a:defRPr sz="1600">
                 <a:solidFill>
                   <a:schemeClr val="tx1">
                     <a:tint val="75000"/>
@@ -997,9 +997,9 @@
                 </a:solidFill>
               </a:defRPr>
             </a:lvl6pPr>
-            <a:lvl7pPr marL="2987893" indent="0">
+            <a:lvl7pPr marL="3157423" indent="0">
               <a:buNone/>
-              <a:defRPr sz="1500">
+              <a:defRPr sz="1600">
                 <a:solidFill>
                   <a:schemeClr val="tx1">
                     <a:tint val="75000"/>
@@ -1007,9 +1007,9 @@
                 </a:solidFill>
               </a:defRPr>
             </a:lvl7pPr>
-            <a:lvl8pPr marL="3485876" indent="0">
+            <a:lvl8pPr marL="3683660" indent="0">
               <a:buNone/>
-              <a:defRPr sz="1500">
+              <a:defRPr sz="1600">
                 <a:solidFill>
                   <a:schemeClr val="tx1">
                     <a:tint val="75000"/>
@@ -1017,9 +1017,9 @@
                 </a:solidFill>
               </a:defRPr>
             </a:lvl8pPr>
-            <a:lvl9pPr marL="3983858" indent="0">
+            <a:lvl9pPr marL="4209898" indent="0">
               <a:buNone/>
-              <a:defRPr sz="1500">
+              <a:defRPr sz="1600">
                 <a:solidFill>
                   <a:schemeClr val="tx1">
                     <a:tint val="75000"/>
@@ -1167,39 +1167,39 @@
         </p:nvSpPr>
         <p:spPr>
           <a:xfrm>
-            <a:off x="579486" y="1764667"/>
-            <a:ext cx="5126203" cy="4991131"/>
+            <a:off x="817249" y="2496240"/>
+            <a:ext cx="7229475" cy="7060293"/>
           </a:xfrm>
         </p:spPr>
         <p:txBody>
           <a:bodyPr/>
           <a:lstStyle>
             <a:lvl1pPr>
-              <a:defRPr sz="3000"/>
+              <a:defRPr sz="3200"/>
             </a:lvl1pPr>
             <a:lvl2pPr>
-              <a:defRPr sz="2600"/>
+              <a:defRPr sz="2800"/>
             </a:lvl2pPr>
             <a:lvl3pPr>
-              <a:defRPr sz="2200"/>
+              <a:defRPr sz="2300"/>
             </a:lvl3pPr>
             <a:lvl4pPr>
-              <a:defRPr sz="2000"/>
+              <a:defRPr sz="2100"/>
             </a:lvl4pPr>
             <a:lvl5pPr>
-              <a:defRPr sz="2000"/>
+              <a:defRPr sz="2100"/>
             </a:lvl5pPr>
             <a:lvl6pPr>
-              <a:defRPr sz="2000"/>
+              <a:defRPr sz="2100"/>
             </a:lvl6pPr>
             <a:lvl7pPr>
-              <a:defRPr sz="2000"/>
+              <a:defRPr sz="2100"/>
             </a:lvl7pPr>
             <a:lvl8pPr>
-              <a:defRPr sz="2000"/>
+              <a:defRPr sz="2100"/>
             </a:lvl8pPr>
             <a:lvl9pPr>
-              <a:defRPr sz="2000"/>
+              <a:defRPr sz="2100"/>
             </a:lvl9pPr>
           </a:lstStyle>
           <a:p>
@@ -1252,39 +1252,39 @@
         </p:nvSpPr>
         <p:spPr>
           <a:xfrm>
-            <a:off x="5883991" y="1764667"/>
-            <a:ext cx="5126203" cy="4991131"/>
+            <a:off x="8298184" y="2496240"/>
+            <a:ext cx="7229475" cy="7060293"/>
           </a:xfrm>
         </p:spPr>
         <p:txBody>
           <a:bodyPr/>
           <a:lstStyle>
             <a:lvl1pPr>
-              <a:defRPr sz="3000"/>
+              <a:defRPr sz="3200"/>
             </a:lvl1pPr>
             <a:lvl2pPr>
-              <a:defRPr sz="2600"/>
+              <a:defRPr sz="2800"/>
             </a:lvl2pPr>
             <a:lvl3pPr>
-              <a:defRPr sz="2200"/>
+              <a:defRPr sz="2300"/>
             </a:lvl3pPr>
             <a:lvl4pPr>
-              <a:defRPr sz="2000"/>
+              <a:defRPr sz="2100"/>
             </a:lvl4pPr>
             <a:lvl5pPr>
-              <a:defRPr sz="2000"/>
+              <a:defRPr sz="2100"/>
             </a:lvl5pPr>
             <a:lvl6pPr>
-              <a:defRPr sz="2000"/>
+              <a:defRPr sz="2100"/>
             </a:lvl6pPr>
             <a:lvl7pPr>
-              <a:defRPr sz="2000"/>
+              <a:defRPr sz="2100"/>
             </a:lvl7pPr>
             <a:lvl8pPr>
-              <a:defRPr sz="2000"/>
+              <a:defRPr sz="2100"/>
             </a:lvl8pPr>
             <a:lvl9pPr>
-              <a:defRPr sz="2000"/>
+              <a:defRPr sz="2100"/>
             </a:lvl9pPr>
           </a:lstStyle>
           <a:p>
@@ -1432,8 +1432,8 @@
         </p:nvSpPr>
         <p:spPr>
           <a:xfrm>
-            <a:off x="534908" y="302865"/>
-            <a:ext cx="9628347" cy="1260475"/>
+            <a:off x="754380" y="428422"/>
+            <a:ext cx="13578840" cy="1783027"/>
           </a:xfrm>
         </p:spPr>
         <p:txBody>
@@ -1464,8 +1464,8 @@
         </p:nvSpPr>
         <p:spPr>
           <a:xfrm>
-            <a:off x="534909" y="1692889"/>
-            <a:ext cx="4726880" cy="705515"/>
+            <a:off x="754384" y="2394706"/>
+            <a:ext cx="6666310" cy="997999"/>
           </a:xfrm>
         </p:spPr>
         <p:txBody>
@@ -1473,39 +1473,39 @@
           <a:lstStyle>
             <a:lvl1pPr marL="0" indent="0">
               <a:buNone/>
-              <a:defRPr sz="2600" b="1"/>
+              <a:defRPr sz="2800" b="1"/>
             </a:lvl1pPr>
-            <a:lvl2pPr marL="497982" indent="0">
+            <a:lvl2pPr marL="526237" indent="0">
               <a:buNone/>
-              <a:defRPr sz="2200" b="1"/>
+              <a:defRPr sz="2300" b="1"/>
             </a:lvl2pPr>
-            <a:lvl3pPr marL="995964" indent="0">
+            <a:lvl3pPr marL="1052474" indent="0">
               <a:buNone/>
-              <a:defRPr sz="2000" b="1"/>
+              <a:defRPr sz="2100" b="1"/>
             </a:lvl3pPr>
-            <a:lvl4pPr marL="1493947" indent="0">
+            <a:lvl4pPr marL="1578712" indent="0">
               <a:buNone/>
-              <a:defRPr sz="1700" b="1"/>
+              <a:defRPr sz="1800" b="1"/>
             </a:lvl4pPr>
-            <a:lvl5pPr marL="1991929" indent="0">
+            <a:lvl5pPr marL="2104949" indent="0">
               <a:buNone/>
-              <a:defRPr sz="1700" b="1"/>
+              <a:defRPr sz="1800" b="1"/>
             </a:lvl5pPr>
-            <a:lvl6pPr marL="2489911" indent="0">
+            <a:lvl6pPr marL="2631186" indent="0">
               <a:buNone/>
-              <a:defRPr sz="1700" b="1"/>
+              <a:defRPr sz="1800" b="1"/>
             </a:lvl6pPr>
-            <a:lvl7pPr marL="2987893" indent="0">
+            <a:lvl7pPr marL="3157423" indent="0">
               <a:buNone/>
-              <a:defRPr sz="1700" b="1"/>
+              <a:defRPr sz="1800" b="1"/>
             </a:lvl7pPr>
-            <a:lvl8pPr marL="3485876" indent="0">
+            <a:lvl8pPr marL="3683660" indent="0">
               <a:buNone/>
-              <a:defRPr sz="1700" b="1"/>
+              <a:defRPr sz="1800" b="1"/>
             </a:lvl8pPr>
-            <a:lvl9pPr marL="3983858" indent="0">
+            <a:lvl9pPr marL="4209898" indent="0">
               <a:buNone/>
-              <a:defRPr sz="1700" b="1"/>
+              <a:defRPr sz="1800" b="1"/>
             </a:lvl9pPr>
           </a:lstStyle>
           <a:p>
@@ -1529,39 +1529,39 @@
         </p:nvSpPr>
         <p:spPr>
           <a:xfrm>
-            <a:off x="534909" y="2398404"/>
-            <a:ext cx="4726880" cy="4357393"/>
+            <a:off x="754384" y="3392705"/>
+            <a:ext cx="6666310" cy="6163826"/>
           </a:xfrm>
         </p:spPr>
         <p:txBody>
           <a:bodyPr/>
           <a:lstStyle>
             <a:lvl1pPr>
-              <a:defRPr sz="2600"/>
+              <a:defRPr sz="2800"/>
             </a:lvl1pPr>
             <a:lvl2pPr>
-              <a:defRPr sz="2200"/>
+              <a:defRPr sz="2300"/>
             </a:lvl2pPr>
             <a:lvl3pPr>
-              <a:defRPr sz="2000"/>
+              <a:defRPr sz="2100"/>
             </a:lvl3pPr>
             <a:lvl4pPr>
-              <a:defRPr sz="1700"/>
+              <a:defRPr sz="1800"/>
             </a:lvl4pPr>
             <a:lvl5pPr>
-              <a:defRPr sz="1700"/>
+              <a:defRPr sz="1800"/>
             </a:lvl5pPr>
             <a:lvl6pPr>
-              <a:defRPr sz="1700"/>
+              <a:defRPr sz="1800"/>
             </a:lvl6pPr>
             <a:lvl7pPr>
-              <a:defRPr sz="1700"/>
+              <a:defRPr sz="1800"/>
             </a:lvl7pPr>
             <a:lvl8pPr>
-              <a:defRPr sz="1700"/>
+              <a:defRPr sz="1800"/>
             </a:lvl8pPr>
             <a:lvl9pPr>
-              <a:defRPr sz="1700"/>
+              <a:defRPr sz="1800"/>
             </a:lvl9pPr>
           </a:lstStyle>
           <a:p>
@@ -1614,8 +1614,8 @@
         </p:nvSpPr>
         <p:spPr>
           <a:xfrm>
-            <a:off x="5434519" y="1692889"/>
-            <a:ext cx="4728738" cy="705515"/>
+            <a:off x="7664295" y="2394706"/>
+            <a:ext cx="6668930" cy="997999"/>
           </a:xfrm>
         </p:spPr>
         <p:txBody>
@@ -1623,39 +1623,39 @@
           <a:lstStyle>
             <a:lvl1pPr marL="0" indent="0">
               <a:buNone/>
-              <a:defRPr sz="2600" b="1"/>
+              <a:defRPr sz="2800" b="1"/>
             </a:lvl1pPr>
-            <a:lvl2pPr marL="497982" indent="0">
+            <a:lvl2pPr marL="526237" indent="0">
               <a:buNone/>
-              <a:defRPr sz="2200" b="1"/>
+              <a:defRPr sz="2300" b="1"/>
             </a:lvl2pPr>
-            <a:lvl3pPr marL="995964" indent="0">
+            <a:lvl3pPr marL="1052474" indent="0">
               <a:buNone/>
-              <a:defRPr sz="2000" b="1"/>
+              <a:defRPr sz="2100" b="1"/>
             </a:lvl3pPr>
-            <a:lvl4pPr marL="1493947" indent="0">
+            <a:lvl4pPr marL="1578712" indent="0">
               <a:buNone/>
-              <a:defRPr sz="1700" b="1"/>
+              <a:defRPr sz="1800" b="1"/>
             </a:lvl4pPr>
-            <a:lvl5pPr marL="1991929" indent="0">
+            <a:lvl5pPr marL="2104949" indent="0">
               <a:buNone/>
-              <a:defRPr sz="1700" b="1"/>
+              <a:defRPr sz="1800" b="1"/>
             </a:lvl5pPr>
-            <a:lvl6pPr marL="2489911" indent="0">
+            <a:lvl6pPr marL="2631186" indent="0">
               <a:buNone/>
-              <a:defRPr sz="1700" b="1"/>
+              <a:defRPr sz="1800" b="1"/>
             </a:lvl6pPr>
-            <a:lvl7pPr marL="2987893" indent="0">
+            <a:lvl7pPr marL="3157423" indent="0">
               <a:buNone/>
-              <a:defRPr sz="1700" b="1"/>
+              <a:defRPr sz="1800" b="1"/>
             </a:lvl7pPr>
-            <a:lvl8pPr marL="3485876" indent="0">
+            <a:lvl8pPr marL="3683660" indent="0">
               <a:buNone/>
-              <a:defRPr sz="1700" b="1"/>
+              <a:defRPr sz="1800" b="1"/>
             </a:lvl8pPr>
-            <a:lvl9pPr marL="3983858" indent="0">
+            <a:lvl9pPr marL="4209898" indent="0">
               <a:buNone/>
-              <a:defRPr sz="1700" b="1"/>
+              <a:defRPr sz="1800" b="1"/>
             </a:lvl9pPr>
           </a:lstStyle>
           <a:p>
@@ -1679,39 +1679,39 @@
         </p:nvSpPr>
         <p:spPr>
           <a:xfrm>
-            <a:off x="5434519" y="2398404"/>
-            <a:ext cx="4728738" cy="4357393"/>
+            <a:off x="7664295" y="3392705"/>
+            <a:ext cx="6668930" cy="6163826"/>
           </a:xfrm>
         </p:spPr>
         <p:txBody>
           <a:bodyPr/>
           <a:lstStyle>
             <a:lvl1pPr>
-              <a:defRPr sz="2600"/>
+              <a:defRPr sz="2800"/>
             </a:lvl1pPr>
             <a:lvl2pPr>
-              <a:defRPr sz="2200"/>
+              <a:defRPr sz="2300"/>
             </a:lvl2pPr>
             <a:lvl3pPr>
-              <a:defRPr sz="2000"/>
+              <a:defRPr sz="2100"/>
             </a:lvl3pPr>
             <a:lvl4pPr>
-              <a:defRPr sz="1700"/>
+              <a:defRPr sz="1800"/>
             </a:lvl4pPr>
             <a:lvl5pPr>
-              <a:defRPr sz="1700"/>
+              <a:defRPr sz="1800"/>
             </a:lvl5pPr>
             <a:lvl6pPr>
-              <a:defRPr sz="1700"/>
+              <a:defRPr sz="1800"/>
             </a:lvl6pPr>
             <a:lvl7pPr>
-              <a:defRPr sz="1700"/>
+              <a:defRPr sz="1800"/>
             </a:lvl7pPr>
             <a:lvl8pPr>
-              <a:defRPr sz="1700"/>
+              <a:defRPr sz="1800"/>
             </a:lvl8pPr>
             <a:lvl9pPr>
-              <a:defRPr sz="1700"/>
+              <a:defRPr sz="1800"/>
             </a:lvl9pPr>
           </a:lstStyle>
           <a:p>
@@ -2072,15 +2072,15 @@
         </p:nvSpPr>
         <p:spPr>
           <a:xfrm>
-            <a:off x="534909" y="301113"/>
-            <a:ext cx="3519622" cy="1281483"/>
+            <a:off x="754384" y="425946"/>
+            <a:ext cx="4963717" cy="1812744"/>
           </a:xfrm>
         </p:spPr>
         <p:txBody>
           <a:bodyPr anchor="b"/>
           <a:lstStyle>
             <a:lvl1pPr algn="l">
-              <a:defRPr sz="2200" b="1"/>
+              <a:defRPr sz="2300" b="1"/>
             </a:lvl1pPr>
           </a:lstStyle>
           <a:p>
@@ -2104,39 +2104,39 @@
         </p:nvSpPr>
         <p:spPr>
           <a:xfrm>
-            <a:off x="4182686" y="301116"/>
-            <a:ext cx="5980569" cy="6454683"/>
+            <a:off x="5898834" y="425950"/>
+            <a:ext cx="8434386" cy="9130587"/>
           </a:xfrm>
         </p:spPr>
         <p:txBody>
           <a:bodyPr/>
           <a:lstStyle>
             <a:lvl1pPr>
-              <a:defRPr sz="3500"/>
+              <a:defRPr sz="3700"/>
             </a:lvl1pPr>
             <a:lvl2pPr>
-              <a:defRPr sz="3000"/>
+              <a:defRPr sz="3200"/>
             </a:lvl2pPr>
             <a:lvl3pPr>
-              <a:defRPr sz="2600"/>
+              <a:defRPr sz="2800"/>
             </a:lvl3pPr>
             <a:lvl4pPr>
-              <a:defRPr sz="2200"/>
+              <a:defRPr sz="2300"/>
             </a:lvl4pPr>
             <a:lvl5pPr>
-              <a:defRPr sz="2200"/>
+              <a:defRPr sz="2300"/>
             </a:lvl5pPr>
             <a:lvl6pPr>
-              <a:defRPr sz="2200"/>
+              <a:defRPr sz="2300"/>
             </a:lvl6pPr>
             <a:lvl7pPr>
-              <a:defRPr sz="2200"/>
+              <a:defRPr sz="2300"/>
             </a:lvl7pPr>
             <a:lvl8pPr>
-              <a:defRPr sz="2200"/>
+              <a:defRPr sz="2300"/>
             </a:lvl8pPr>
             <a:lvl9pPr>
-              <a:defRPr sz="2200"/>
+              <a:defRPr sz="2300"/>
             </a:lvl9pPr>
           </a:lstStyle>
           <a:p>
@@ -2189,8 +2189,8 @@
         </p:nvSpPr>
         <p:spPr>
           <a:xfrm>
-            <a:off x="534909" y="1582598"/>
-            <a:ext cx="3519622" cy="5173200"/>
+            <a:off x="754384" y="2238692"/>
+            <a:ext cx="4963717" cy="7317841"/>
           </a:xfrm>
         </p:spPr>
         <p:txBody>
@@ -2198,37 +2198,37 @@
           <a:lstStyle>
             <a:lvl1pPr marL="0" indent="0">
               <a:buNone/>
-              <a:defRPr sz="1500"/>
+              <a:defRPr sz="1600"/>
             </a:lvl1pPr>
-            <a:lvl2pPr marL="497982" indent="0">
+            <a:lvl2pPr marL="526237" indent="0">
               <a:buNone/>
-              <a:defRPr sz="1300"/>
+              <a:defRPr sz="1400"/>
             </a:lvl2pPr>
-            <a:lvl3pPr marL="995964" indent="0">
+            <a:lvl3pPr marL="1052474" indent="0">
               <a:buNone/>
-              <a:defRPr sz="1100"/>
+              <a:defRPr sz="1200"/>
             </a:lvl3pPr>
-            <a:lvl4pPr marL="1493947" indent="0">
+            <a:lvl4pPr marL="1578712" indent="0">
               <a:buNone/>
               <a:defRPr sz="1000"/>
             </a:lvl4pPr>
-            <a:lvl5pPr marL="1991929" indent="0">
+            <a:lvl5pPr marL="2104949" indent="0">
               <a:buNone/>
               <a:defRPr sz="1000"/>
             </a:lvl5pPr>
-            <a:lvl6pPr marL="2489911" indent="0">
+            <a:lvl6pPr marL="2631186" indent="0">
               <a:buNone/>
               <a:defRPr sz="1000"/>
             </a:lvl6pPr>
-            <a:lvl7pPr marL="2987893" indent="0">
+            <a:lvl7pPr marL="3157423" indent="0">
               <a:buNone/>
               <a:defRPr sz="1000"/>
             </a:lvl7pPr>
-            <a:lvl8pPr marL="3485876" indent="0">
+            <a:lvl8pPr marL="3683660" indent="0">
               <a:buNone/>
               <a:defRPr sz="1000"/>
             </a:lvl8pPr>
-            <a:lvl9pPr marL="3983858" indent="0">
+            <a:lvl9pPr marL="4209898" indent="0">
               <a:buNone/>
               <a:defRPr sz="1000"/>
             </a:lvl9pPr>
@@ -2349,15 +2349,15 @@
         </p:nvSpPr>
         <p:spPr>
           <a:xfrm>
-            <a:off x="2096914" y="5293995"/>
-            <a:ext cx="6418898" cy="624986"/>
+            <a:off x="2957275" y="7488714"/>
+            <a:ext cx="9052560" cy="884086"/>
           </a:xfrm>
         </p:spPr>
         <p:txBody>
           <a:bodyPr anchor="b"/>
           <a:lstStyle>
             <a:lvl1pPr algn="l">
-              <a:defRPr sz="2200" b="1"/>
+              <a:defRPr sz="2300" b="1"/>
             </a:lvl1pPr>
           </a:lstStyle>
           <a:p>
@@ -2381,8 +2381,8 @@
         </p:nvSpPr>
         <p:spPr>
           <a:xfrm>
-            <a:off x="2096914" y="675755"/>
-            <a:ext cx="6418898" cy="4537710"/>
+            <a:off x="2957275" y="955901"/>
+            <a:ext cx="9052560" cy="6418898"/>
           </a:xfrm>
         </p:spPr>
         <p:txBody>
@@ -2390,39 +2390,39 @@
           <a:lstStyle>
             <a:lvl1pPr marL="0" indent="0">
               <a:buNone/>
-              <a:defRPr sz="3500"/>
+              <a:defRPr sz="3700"/>
             </a:lvl1pPr>
-            <a:lvl2pPr marL="497982" indent="0">
+            <a:lvl2pPr marL="526237" indent="0">
               <a:buNone/>
-              <a:defRPr sz="3000"/>
+              <a:defRPr sz="3200"/>
             </a:lvl2pPr>
-            <a:lvl3pPr marL="995964" indent="0">
+            <a:lvl3pPr marL="1052474" indent="0">
               <a:buNone/>
-              <a:defRPr sz="2600"/>
+              <a:defRPr sz="2800"/>
             </a:lvl3pPr>
-            <a:lvl4pPr marL="1493947" indent="0">
+            <a:lvl4pPr marL="1578712" indent="0">
               <a:buNone/>
-              <a:defRPr sz="2200"/>
+              <a:defRPr sz="2300"/>
             </a:lvl4pPr>
-            <a:lvl5pPr marL="1991929" indent="0">
+            <a:lvl5pPr marL="2104949" indent="0">
               <a:buNone/>
-              <a:defRPr sz="2200"/>
+              <a:defRPr sz="2300"/>
             </a:lvl5pPr>
-            <a:lvl6pPr marL="2489911" indent="0">
+            <a:lvl6pPr marL="2631186" indent="0">
               <a:buNone/>
-              <a:defRPr sz="2200"/>
+              <a:defRPr sz="2300"/>
             </a:lvl6pPr>
-            <a:lvl7pPr marL="2987893" indent="0">
+            <a:lvl7pPr marL="3157423" indent="0">
               <a:buNone/>
-              <a:defRPr sz="2200"/>
+              <a:defRPr sz="2300"/>
             </a:lvl7pPr>
-            <a:lvl8pPr marL="3485876" indent="0">
+            <a:lvl8pPr marL="3683660" indent="0">
               <a:buNone/>
-              <a:defRPr sz="2200"/>
+              <a:defRPr sz="2300"/>
             </a:lvl8pPr>
-            <a:lvl9pPr marL="3983858" indent="0">
+            <a:lvl9pPr marL="4209898" indent="0">
               <a:buNone/>
-              <a:defRPr sz="2200"/>
+              <a:defRPr sz="2300"/>
             </a:lvl9pPr>
           </a:lstStyle>
           <a:p>
@@ -2442,8 +2442,8 @@
         </p:nvSpPr>
         <p:spPr>
           <a:xfrm>
-            <a:off x="2096914" y="5918981"/>
-            <a:ext cx="6418898" cy="887584"/>
+            <a:off x="2957275" y="8372800"/>
+            <a:ext cx="9052560" cy="1255547"/>
           </a:xfrm>
         </p:spPr>
         <p:txBody>
@@ -2451,37 +2451,37 @@
           <a:lstStyle>
             <a:lvl1pPr marL="0" indent="0">
               <a:buNone/>
-              <a:defRPr sz="1500"/>
+              <a:defRPr sz="1600"/>
             </a:lvl1pPr>
-            <a:lvl2pPr marL="497982" indent="0">
+            <a:lvl2pPr marL="526237" indent="0">
               <a:buNone/>
-              <a:defRPr sz="1300"/>
+              <a:defRPr sz="1400"/>
             </a:lvl2pPr>
-            <a:lvl3pPr marL="995964" indent="0">
+            <a:lvl3pPr marL="1052474" indent="0">
               <a:buNone/>
-              <a:defRPr sz="1100"/>
+              <a:defRPr sz="1200"/>
             </a:lvl3pPr>
-            <a:lvl4pPr marL="1493947" indent="0">
+            <a:lvl4pPr marL="1578712" indent="0">
               <a:buNone/>
               <a:defRPr sz="1000"/>
             </a:lvl4pPr>
-            <a:lvl5pPr marL="1991929" indent="0">
+            <a:lvl5pPr marL="2104949" indent="0">
               <a:buNone/>
               <a:defRPr sz="1000"/>
             </a:lvl5pPr>
-            <a:lvl6pPr marL="2489911" indent="0">
+            <a:lvl6pPr marL="2631186" indent="0">
               <a:buNone/>
               <a:defRPr sz="1000"/>
             </a:lvl6pPr>
-            <a:lvl7pPr marL="2987893" indent="0">
+            <a:lvl7pPr marL="3157423" indent="0">
               <a:buNone/>
               <a:defRPr sz="1000"/>
             </a:lvl7pPr>
-            <a:lvl8pPr marL="3485876" indent="0">
+            <a:lvl8pPr marL="3683660" indent="0">
               <a:buNone/>
               <a:defRPr sz="1000"/>
             </a:lvl8pPr>
-            <a:lvl9pPr marL="3983858" indent="0">
+            <a:lvl9pPr marL="4209898" indent="0">
               <a:buNone/>
               <a:defRPr sz="1000"/>
             </a:lvl9pPr>
@@ -2607,15 +2607,15 @@
         </p:nvSpPr>
         <p:spPr>
           <a:xfrm>
-            <a:off x="534908" y="302865"/>
-            <a:ext cx="9628347" cy="1260475"/>
+            <a:off x="754380" y="428422"/>
+            <a:ext cx="13578840" cy="1783027"/>
           </a:xfrm>
           <a:prstGeom prst="rect">
             <a:avLst/>
           </a:prstGeom>
         </p:spPr>
         <p:txBody>
-          <a:bodyPr vert="horz" lIns="99596" tIns="49798" rIns="99596" bIns="49798" rtlCol="0" anchor="ctr">
+          <a:bodyPr vert="horz" lIns="105247" tIns="52624" rIns="105247" bIns="52624" rtlCol="0" anchor="ctr">
             <a:normAutofit/>
           </a:bodyPr>
           <a:lstStyle/>
@@ -2640,15 +2640,15 @@
         </p:nvSpPr>
         <p:spPr>
           <a:xfrm>
-            <a:off x="534908" y="1764667"/>
-            <a:ext cx="9628347" cy="4991131"/>
+            <a:off x="754380" y="2496240"/>
+            <a:ext cx="13578840" cy="7060293"/>
           </a:xfrm>
           <a:prstGeom prst="rect">
             <a:avLst/>
           </a:prstGeom>
         </p:spPr>
         <p:txBody>
-          <a:bodyPr vert="horz" lIns="99596" tIns="49798" rIns="99596" bIns="49798" rtlCol="0">
+          <a:bodyPr vert="horz" lIns="105247" tIns="52624" rIns="105247" bIns="52624" rtlCol="0">
             <a:normAutofit/>
           </a:bodyPr>
           <a:lstStyle/>
@@ -2702,18 +2702,18 @@
         </p:nvSpPr>
         <p:spPr>
           <a:xfrm>
-            <a:off x="534908" y="7009644"/>
-            <a:ext cx="2496238" cy="402652"/>
+            <a:off x="754380" y="9915617"/>
+            <a:ext cx="3520440" cy="569578"/>
           </a:xfrm>
           <a:prstGeom prst="rect">
             <a:avLst/>
           </a:prstGeom>
         </p:spPr>
         <p:txBody>
-          <a:bodyPr vert="horz" lIns="99596" tIns="49798" rIns="99596" bIns="49798" rtlCol="0" anchor="ctr"/>
+          <a:bodyPr vert="horz" lIns="105247" tIns="52624" rIns="105247" bIns="52624" rtlCol="0" anchor="ctr"/>
           <a:lstStyle>
             <a:lvl1pPr algn="l">
-              <a:defRPr sz="1300">
+              <a:defRPr sz="1400">
                 <a:solidFill>
                   <a:schemeClr val="tx1">
                     <a:tint val="75000"/>
@@ -2743,18 +2743,18 @@
         </p:nvSpPr>
         <p:spPr>
           <a:xfrm>
-            <a:off x="3655206" y="7009644"/>
-            <a:ext cx="3387752" cy="402652"/>
+            <a:off x="5154930" y="9915617"/>
+            <a:ext cx="4777740" cy="569578"/>
           </a:xfrm>
           <a:prstGeom prst="rect">
             <a:avLst/>
           </a:prstGeom>
         </p:spPr>
         <p:txBody>
-          <a:bodyPr vert="horz" lIns="99596" tIns="49798" rIns="99596" bIns="49798" rtlCol="0" anchor="ctr"/>
+          <a:bodyPr vert="horz" lIns="105247" tIns="52624" rIns="105247" bIns="52624" rtlCol="0" anchor="ctr"/>
           <a:lstStyle>
             <a:lvl1pPr algn="ctr">
-              <a:defRPr sz="1300">
+              <a:defRPr sz="1400">
                 <a:solidFill>
                   <a:schemeClr val="tx1">
                     <a:tint val="75000"/>
@@ -2780,18 +2780,18 @@
         </p:nvSpPr>
         <p:spPr>
           <a:xfrm>
-            <a:off x="7667017" y="7009644"/>
-            <a:ext cx="2496238" cy="402652"/>
+            <a:off x="10812780" y="9915617"/>
+            <a:ext cx="3520440" cy="569578"/>
           </a:xfrm>
           <a:prstGeom prst="rect">
             <a:avLst/>
           </a:prstGeom>
         </p:spPr>
         <p:txBody>
-          <a:bodyPr vert="horz" lIns="99596" tIns="49798" rIns="99596" bIns="49798" rtlCol="0" anchor="ctr"/>
+          <a:bodyPr vert="horz" lIns="105247" tIns="52624" rIns="105247" bIns="52624" rtlCol="0" anchor="ctr"/>
           <a:lstStyle>
             <a:lvl1pPr algn="r">
-              <a:defRPr sz="1300">
+              <a:defRPr sz="1400">
                 <a:solidFill>
                   <a:schemeClr val="tx1">
                     <a:tint val="75000"/>
@@ -2832,12 +2832,12 @@
   </p:sldLayoutIdLst>
   <p:txStyles>
     <p:titleStyle>
-      <a:lvl1pPr algn="ctr" defTabSz="995964" rtl="0" eaLnBrk="1" latinLnBrk="0" hangingPunct="1">
+      <a:lvl1pPr algn="ctr" defTabSz="1052474" rtl="0" eaLnBrk="1" latinLnBrk="0" hangingPunct="1">
         <a:spcBef>
           <a:spcPct val="0"/>
         </a:spcBef>
         <a:buNone/>
-        <a:defRPr sz="4800" kern="1200">
+        <a:defRPr sz="5100" kern="1200">
           <a:solidFill>
             <a:schemeClr val="tx1"/>
           </a:solidFill>
@@ -2848,13 +2848,13 @@
       </a:lvl1pPr>
     </p:titleStyle>
     <p:bodyStyle>
-      <a:lvl1pPr marL="373487" indent="-373487" algn="l" defTabSz="995964" rtl="0" eaLnBrk="1" latinLnBrk="0" hangingPunct="1">
+      <a:lvl1pPr marL="394678" indent="-394678" algn="l" defTabSz="1052474" rtl="0" eaLnBrk="1" latinLnBrk="0" hangingPunct="1">
         <a:spcBef>
           <a:spcPct val="20000"/>
         </a:spcBef>
         <a:buFont typeface="Arial" panose="020B0604020202020204" pitchFamily="34" charset="0"/>
         <a:buChar char="•"/>
-        <a:defRPr sz="3500" kern="1200">
+        <a:defRPr sz="3700" kern="1200">
           <a:solidFill>
             <a:schemeClr val="tx1"/>
           </a:solidFill>
@@ -2863,13 +2863,13 @@
           <a:cs typeface="+mn-cs"/>
         </a:defRPr>
       </a:lvl1pPr>
-      <a:lvl2pPr marL="809221" indent="-311239" algn="l" defTabSz="995964" rtl="0" eaLnBrk="1" latinLnBrk="0" hangingPunct="1">
+      <a:lvl2pPr marL="855135" indent="-328898" algn="l" defTabSz="1052474" rtl="0" eaLnBrk="1" latinLnBrk="0" hangingPunct="1">
         <a:spcBef>
           <a:spcPct val="20000"/>
         </a:spcBef>
         <a:buFont typeface="Arial" panose="020B0604020202020204" pitchFamily="34" charset="0"/>
         <a:buChar char="–"/>
-        <a:defRPr sz="3000" kern="1200">
+        <a:defRPr sz="3200" kern="1200">
           <a:solidFill>
             <a:schemeClr val="tx1"/>
           </a:solidFill>
@@ -2878,13 +2878,13 @@
           <a:cs typeface="+mn-cs"/>
         </a:defRPr>
       </a:lvl2pPr>
-      <a:lvl3pPr marL="1244956" indent="-248991" algn="l" defTabSz="995964" rtl="0" eaLnBrk="1" latinLnBrk="0" hangingPunct="1">
+      <a:lvl3pPr marL="1315593" indent="-263119" algn="l" defTabSz="1052474" rtl="0" eaLnBrk="1" latinLnBrk="0" hangingPunct="1">
         <a:spcBef>
           <a:spcPct val="20000"/>
         </a:spcBef>
         <a:buFont typeface="Arial" panose="020B0604020202020204" pitchFamily="34" charset="0"/>
         <a:buChar char="•"/>
-        <a:defRPr sz="2600" kern="1200">
+        <a:defRPr sz="2800" kern="1200">
           <a:solidFill>
             <a:schemeClr val="tx1"/>
           </a:solidFill>
@@ -2893,13 +2893,13 @@
           <a:cs typeface="+mn-cs"/>
         </a:defRPr>
       </a:lvl3pPr>
-      <a:lvl4pPr marL="1742938" indent="-248991" algn="l" defTabSz="995964" rtl="0" eaLnBrk="1" latinLnBrk="0" hangingPunct="1">
+      <a:lvl4pPr marL="1841830" indent="-263119" algn="l" defTabSz="1052474" rtl="0" eaLnBrk="1" latinLnBrk="0" hangingPunct="1">
         <a:spcBef>
           <a:spcPct val="20000"/>
         </a:spcBef>
         <a:buFont typeface="Arial" panose="020B0604020202020204" pitchFamily="34" charset="0"/>
         <a:buChar char="–"/>
-        <a:defRPr sz="2200" kern="1200">
+        <a:defRPr sz="2300" kern="1200">
           <a:solidFill>
             <a:schemeClr val="tx1"/>
           </a:solidFill>
@@ -2908,13 +2908,13 @@
           <a:cs typeface="+mn-cs"/>
         </a:defRPr>
       </a:lvl4pPr>
-      <a:lvl5pPr marL="2240920" indent="-248991" algn="l" defTabSz="995964" rtl="0" eaLnBrk="1" latinLnBrk="0" hangingPunct="1">
+      <a:lvl5pPr marL="2368067" indent="-263119" algn="l" defTabSz="1052474" rtl="0" eaLnBrk="1" latinLnBrk="0" hangingPunct="1">
         <a:spcBef>
           <a:spcPct val="20000"/>
         </a:spcBef>
         <a:buFont typeface="Arial" panose="020B0604020202020204" pitchFamily="34" charset="0"/>
         <a:buChar char="»"/>
-        <a:defRPr sz="2200" kern="1200">
+        <a:defRPr sz="2300" kern="1200">
           <a:solidFill>
             <a:schemeClr val="tx1"/>
           </a:solidFill>
@@ -2923,13 +2923,13 @@
           <a:cs typeface="+mn-cs"/>
         </a:defRPr>
       </a:lvl5pPr>
-      <a:lvl6pPr marL="2738902" indent="-248991" algn="l" defTabSz="995964" rtl="0" eaLnBrk="1" latinLnBrk="0" hangingPunct="1">
+      <a:lvl6pPr marL="2894305" indent="-263119" algn="l" defTabSz="1052474" rtl="0" eaLnBrk="1" latinLnBrk="0" hangingPunct="1">
         <a:spcBef>
           <a:spcPct val="20000"/>
         </a:spcBef>
         <a:buFont typeface="Arial" panose="020B0604020202020204" pitchFamily="34" charset="0"/>
         <a:buChar char="•"/>
-        <a:defRPr sz="2200" kern="1200">
+        <a:defRPr sz="2300" kern="1200">
           <a:solidFill>
             <a:schemeClr val="tx1"/>
           </a:solidFill>
@@ -2938,13 +2938,13 @@
           <a:cs typeface="+mn-cs"/>
         </a:defRPr>
       </a:lvl6pPr>
-      <a:lvl7pPr marL="3236885" indent="-248991" algn="l" defTabSz="995964" rtl="0" eaLnBrk="1" latinLnBrk="0" hangingPunct="1">
+      <a:lvl7pPr marL="3420542" indent="-263119" algn="l" defTabSz="1052474" rtl="0" eaLnBrk="1" latinLnBrk="0" hangingPunct="1">
         <a:spcBef>
           <a:spcPct val="20000"/>
         </a:spcBef>
         <a:buFont typeface="Arial" panose="020B0604020202020204" pitchFamily="34" charset="0"/>
         <a:buChar char="•"/>
-        <a:defRPr sz="2200" kern="1200">
+        <a:defRPr sz="2300" kern="1200">
           <a:solidFill>
             <a:schemeClr val="tx1"/>
           </a:solidFill>
@@ -2953,13 +2953,13 @@
           <a:cs typeface="+mn-cs"/>
         </a:defRPr>
       </a:lvl7pPr>
-      <a:lvl8pPr marL="3734867" indent="-248991" algn="l" defTabSz="995964" rtl="0" eaLnBrk="1" latinLnBrk="0" hangingPunct="1">
+      <a:lvl8pPr marL="3946779" indent="-263119" algn="l" defTabSz="1052474" rtl="0" eaLnBrk="1" latinLnBrk="0" hangingPunct="1">
         <a:spcBef>
           <a:spcPct val="20000"/>
         </a:spcBef>
         <a:buFont typeface="Arial" panose="020B0604020202020204" pitchFamily="34" charset="0"/>
         <a:buChar char="•"/>
-        <a:defRPr sz="2200" kern="1200">
+        <a:defRPr sz="2300" kern="1200">
           <a:solidFill>
             <a:schemeClr val="tx1"/>
           </a:solidFill>
@@ -2968,13 +2968,13 @@
           <a:cs typeface="+mn-cs"/>
         </a:defRPr>
       </a:lvl8pPr>
-      <a:lvl9pPr marL="4232849" indent="-248991" algn="l" defTabSz="995964" rtl="0" eaLnBrk="1" latinLnBrk="0" hangingPunct="1">
+      <a:lvl9pPr marL="4473016" indent="-263119" algn="l" defTabSz="1052474" rtl="0" eaLnBrk="1" latinLnBrk="0" hangingPunct="1">
         <a:spcBef>
           <a:spcPct val="20000"/>
         </a:spcBef>
         <a:buFont typeface="Arial" panose="020B0604020202020204" pitchFamily="34" charset="0"/>
         <a:buChar char="•"/>
-        <a:defRPr sz="2200" kern="1200">
+        <a:defRPr sz="2300" kern="1200">
           <a:solidFill>
             <a:schemeClr val="tx1"/>
           </a:solidFill>
@@ -2988,8 +2988,8 @@
       <a:defPPr>
         <a:defRPr lang="en-US"/>
       </a:defPPr>
-      <a:lvl1pPr marL="0" algn="l" defTabSz="995964" rtl="0" eaLnBrk="1" latinLnBrk="0" hangingPunct="1">
-        <a:defRPr sz="2000" kern="1200">
+      <a:lvl1pPr marL="0" algn="l" defTabSz="1052474" rtl="0" eaLnBrk="1" latinLnBrk="0" hangingPunct="1">
+        <a:defRPr sz="2100" kern="1200">
           <a:solidFill>
             <a:schemeClr val="tx1"/>
           </a:solidFill>
@@ -2998,8 +2998,8 @@
           <a:cs typeface="+mn-cs"/>
         </a:defRPr>
       </a:lvl1pPr>
-      <a:lvl2pPr marL="497982" algn="l" defTabSz="995964" rtl="0" eaLnBrk="1" latinLnBrk="0" hangingPunct="1">
-        <a:defRPr sz="2000" kern="1200">
+      <a:lvl2pPr marL="526237" algn="l" defTabSz="1052474" rtl="0" eaLnBrk="1" latinLnBrk="0" hangingPunct="1">
+        <a:defRPr sz="2100" kern="1200">
           <a:solidFill>
             <a:schemeClr val="tx1"/>
           </a:solidFill>
@@ -3008,8 +3008,8 @@
           <a:cs typeface="+mn-cs"/>
         </a:defRPr>
       </a:lvl2pPr>
-      <a:lvl3pPr marL="995964" algn="l" defTabSz="995964" rtl="0" eaLnBrk="1" latinLnBrk="0" hangingPunct="1">
-        <a:defRPr sz="2000" kern="1200">
+      <a:lvl3pPr marL="1052474" algn="l" defTabSz="1052474" rtl="0" eaLnBrk="1" latinLnBrk="0" hangingPunct="1">
+        <a:defRPr sz="2100" kern="1200">
           <a:solidFill>
             <a:schemeClr val="tx1"/>
           </a:solidFill>
@@ -3018,8 +3018,8 @@
           <a:cs typeface="+mn-cs"/>
         </a:defRPr>
       </a:lvl3pPr>
-      <a:lvl4pPr marL="1493947" algn="l" defTabSz="995964" rtl="0" eaLnBrk="1" latinLnBrk="0" hangingPunct="1">
-        <a:defRPr sz="2000" kern="1200">
+      <a:lvl4pPr marL="1578712" algn="l" defTabSz="1052474" rtl="0" eaLnBrk="1" latinLnBrk="0" hangingPunct="1">
+        <a:defRPr sz="2100" kern="1200">
           <a:solidFill>
             <a:schemeClr val="tx1"/>
           </a:solidFill>
@@ -3028,8 +3028,8 @@
           <a:cs typeface="+mn-cs"/>
         </a:defRPr>
       </a:lvl4pPr>
-      <a:lvl5pPr marL="1991929" algn="l" defTabSz="995964" rtl="0" eaLnBrk="1" latinLnBrk="0" hangingPunct="1">
-        <a:defRPr sz="2000" kern="1200">
+      <a:lvl5pPr marL="2104949" algn="l" defTabSz="1052474" rtl="0" eaLnBrk="1" latinLnBrk="0" hangingPunct="1">
+        <a:defRPr sz="2100" kern="1200">
           <a:solidFill>
             <a:schemeClr val="tx1"/>
           </a:solidFill>
@@ -3038,8 +3038,8 @@
           <a:cs typeface="+mn-cs"/>
         </a:defRPr>
       </a:lvl5pPr>
-      <a:lvl6pPr marL="2489911" algn="l" defTabSz="995964" rtl="0" eaLnBrk="1" latinLnBrk="0" hangingPunct="1">
-        <a:defRPr sz="2000" kern="1200">
+      <a:lvl6pPr marL="2631186" algn="l" defTabSz="1052474" rtl="0" eaLnBrk="1" latinLnBrk="0" hangingPunct="1">
+        <a:defRPr sz="2100" kern="1200">
           <a:solidFill>
             <a:schemeClr val="tx1"/>
           </a:solidFill>
@@ -3048,8 +3048,8 @@
           <a:cs typeface="+mn-cs"/>
         </a:defRPr>
       </a:lvl6pPr>
-      <a:lvl7pPr marL="2987893" algn="l" defTabSz="995964" rtl="0" eaLnBrk="1" latinLnBrk="0" hangingPunct="1">
-        <a:defRPr sz="2000" kern="1200">
+      <a:lvl7pPr marL="3157423" algn="l" defTabSz="1052474" rtl="0" eaLnBrk="1" latinLnBrk="0" hangingPunct="1">
+        <a:defRPr sz="2100" kern="1200">
           <a:solidFill>
             <a:schemeClr val="tx1"/>
           </a:solidFill>
@@ -3058,8 +3058,8 @@
           <a:cs typeface="+mn-cs"/>
         </a:defRPr>
       </a:lvl7pPr>
-      <a:lvl8pPr marL="3485876" algn="l" defTabSz="995964" rtl="0" eaLnBrk="1" latinLnBrk="0" hangingPunct="1">
-        <a:defRPr sz="2000" kern="1200">
+      <a:lvl8pPr marL="3683660" algn="l" defTabSz="1052474" rtl="0" eaLnBrk="1" latinLnBrk="0" hangingPunct="1">
+        <a:defRPr sz="2100" kern="1200">
           <a:solidFill>
             <a:schemeClr val="tx1"/>
           </a:solidFill>
@@ -3068,8 +3068,8 @@
           <a:cs typeface="+mn-cs"/>
         </a:defRPr>
       </a:lvl8pPr>
-      <a:lvl9pPr marL="3983858" algn="l" defTabSz="995964" rtl="0" eaLnBrk="1" latinLnBrk="0" hangingPunct="1">
-        <a:defRPr sz="2000" kern="1200">
+      <a:lvl9pPr marL="4209898" algn="l" defTabSz="1052474" rtl="0" eaLnBrk="1" latinLnBrk="0" hangingPunct="1">
+        <a:defRPr sz="2100" kern="1200">
           <a:solidFill>
             <a:schemeClr val="tx1"/>
           </a:solidFill>
@@ -3108,10 +3108,10 @@
         </p:nvGrpSpPr>
         <p:grpSpPr>
           <a:xfrm>
-            <a:off x="2148682" y="581025"/>
-            <a:ext cx="6400800" cy="6400800"/>
-            <a:chOff x="2148682" y="581025"/>
-            <a:chExt cx="6400800" cy="6400800"/>
+            <a:off x="3886200" y="1691482"/>
+            <a:ext cx="7315200" cy="7315200"/>
+            <a:chOff x="3886200" y="1691482"/>
+            <a:chExt cx="7315200" cy="7315200"/>
           </a:xfrm>
         </p:grpSpPr>
         <p:sp>
@@ -3122,8 +3122,8 @@
           </p:nvSpPr>
           <p:spPr>
             <a:xfrm>
-              <a:off x="2148681" y="581025"/>
-              <a:ext cx="6400799" cy="6400799"/>
+              <a:off x="3886200" y="1691481"/>
+              <a:ext cx="7315199" cy="7315199"/>
             </a:xfrm>
             <a:prstGeom prst="rect">
               <a:avLst/>
@@ -3157,8 +3157,8 @@
           </p:nvSpPr>
           <p:spPr>
             <a:xfrm>
-              <a:off x="2148681" y="581025"/>
-              <a:ext cx="6400799" cy="6400799"/>
+              <a:off x="3886200" y="1691481"/>
+              <a:ext cx="7315199" cy="7315199"/>
             </a:xfrm>
             <a:prstGeom prst="rect">
               <a:avLst/>
@@ -3192,8 +3192,8 @@
           </p:nvSpPr>
           <p:spPr>
             <a:xfrm>
-              <a:off x="2542904" y="876525"/>
-              <a:ext cx="5936987" cy="5702405"/>
+              <a:off x="4280423" y="1986981"/>
+              <a:ext cx="6851387" cy="6616805"/>
             </a:xfrm>
             <a:prstGeom prst="rect">
               <a:avLst/>
@@ -3218,15 +3218,15 @@
           </p:nvSpPr>
           <p:spPr>
             <a:xfrm>
-              <a:off x="3560488" y="876525"/>
-              <a:ext cx="0" cy="5702405"/>
+              <a:off x="5454732" y="1986981"/>
+              <a:ext cx="0" cy="6616805"/>
             </a:xfrm>
             <a:custGeom>
               <a:avLst/>
               <a:pathLst>
-                <a:path w="0" h="5702405">
+                <a:path w="0" h="6616805">
                   <a:moveTo>
-                    <a:pt x="0" y="5702405"/>
+                    <a:pt x="0" y="6616805"/>
                   </a:moveTo>
                   <a:lnTo>
                     <a:pt x="0" y="0"/>
@@ -3261,15 +3261,15 @@
           </p:nvSpPr>
           <p:spPr>
             <a:xfrm>
-              <a:off x="5595654" y="876525"/>
-              <a:ext cx="0" cy="5702405"/>
+              <a:off x="7803349" y="1986981"/>
+              <a:ext cx="0" cy="6616805"/>
             </a:xfrm>
             <a:custGeom>
               <a:avLst/>
               <a:pathLst>
-                <a:path w="0" h="5702405">
+                <a:path w="0" h="6616805">
                   <a:moveTo>
-                    <a:pt x="0" y="5702405"/>
+                    <a:pt x="0" y="6616805"/>
                   </a:moveTo>
                   <a:lnTo>
                     <a:pt x="0" y="0"/>
@@ -3304,15 +3304,15 @@
           </p:nvSpPr>
           <p:spPr>
             <a:xfrm>
-              <a:off x="7630821" y="876525"/>
-              <a:ext cx="0" cy="5702405"/>
+              <a:off x="10151967" y="1986981"/>
+              <a:ext cx="0" cy="6616805"/>
             </a:xfrm>
             <a:custGeom>
               <a:avLst/>
               <a:pathLst>
-                <a:path w="0" h="5702405">
+                <a:path w="0" h="6616805">
                   <a:moveTo>
-                    <a:pt x="0" y="5702405"/>
+                    <a:pt x="0" y="6616805"/>
                   </a:moveTo>
                   <a:lnTo>
                     <a:pt x="0" y="0"/>
@@ -3347,21 +3347,21 @@
           </p:nvSpPr>
           <p:spPr>
             <a:xfrm>
-              <a:off x="2542904" y="6443159"/>
-              <a:ext cx="5936987" cy="0"/>
+              <a:off x="4280423" y="8446244"/>
+              <a:ext cx="6851387" cy="0"/>
             </a:xfrm>
             <a:custGeom>
               <a:avLst/>
               <a:pathLst>
-                <a:path w="5936987" h="0">
+                <a:path w="6851387" h="0">
                   <a:moveTo>
                     <a:pt x="0" y="0"/>
                   </a:moveTo>
                   <a:lnTo>
-                    <a:pt x="5936987" y="0"/>
+                    <a:pt x="6851387" y="0"/>
                   </a:lnTo>
                   <a:lnTo>
-                    <a:pt x="5936987" y="0"/>
+                    <a:pt x="6851387" y="0"/>
                   </a:lnTo>
                 </a:path>
               </a:pathLst>
@@ -3390,21 +3390,21 @@
           </p:nvSpPr>
           <p:spPr>
             <a:xfrm>
-              <a:off x="2542904" y="6216873"/>
-              <a:ext cx="5936987" cy="0"/>
+              <a:off x="4280423" y="8183672"/>
+              <a:ext cx="6851387" cy="0"/>
             </a:xfrm>
             <a:custGeom>
               <a:avLst/>
               <a:pathLst>
-                <a:path w="5936987" h="0">
+                <a:path w="6851387" h="0">
                   <a:moveTo>
                     <a:pt x="0" y="0"/>
                   </a:moveTo>
                   <a:lnTo>
-                    <a:pt x="5936987" y="0"/>
+                    <a:pt x="6851387" y="0"/>
                   </a:lnTo>
                   <a:lnTo>
-                    <a:pt x="5936987" y="0"/>
+                    <a:pt x="6851387" y="0"/>
                   </a:lnTo>
                 </a:path>
               </a:pathLst>
@@ -3433,21 +3433,21 @@
           </p:nvSpPr>
           <p:spPr>
             <a:xfrm>
-              <a:off x="2542904" y="5990587"/>
-              <a:ext cx="5936987" cy="0"/>
+              <a:off x="4280423" y="7921101"/>
+              <a:ext cx="6851387" cy="0"/>
             </a:xfrm>
             <a:custGeom>
               <a:avLst/>
               <a:pathLst>
-                <a:path w="5936987" h="0">
+                <a:path w="6851387" h="0">
                   <a:moveTo>
                     <a:pt x="0" y="0"/>
                   </a:moveTo>
                   <a:lnTo>
-                    <a:pt x="5936987" y="0"/>
+                    <a:pt x="6851387" y="0"/>
                   </a:lnTo>
                   <a:lnTo>
-                    <a:pt x="5936987" y="0"/>
+                    <a:pt x="6851387" y="0"/>
                   </a:lnTo>
                 </a:path>
               </a:pathLst>
@@ -3476,21 +3476,21 @@
           </p:nvSpPr>
           <p:spPr>
             <a:xfrm>
-              <a:off x="2542904" y="5764301"/>
-              <a:ext cx="5936987" cy="0"/>
+              <a:off x="4280423" y="7658529"/>
+              <a:ext cx="6851387" cy="0"/>
             </a:xfrm>
             <a:custGeom>
               <a:avLst/>
               <a:pathLst>
-                <a:path w="5936987" h="0">
+                <a:path w="6851387" h="0">
                   <a:moveTo>
                     <a:pt x="0" y="0"/>
                   </a:moveTo>
                   <a:lnTo>
-                    <a:pt x="5936987" y="0"/>
+                    <a:pt x="6851387" y="0"/>
                   </a:lnTo>
                   <a:lnTo>
-                    <a:pt x="5936987" y="0"/>
+                    <a:pt x="6851387" y="0"/>
                   </a:lnTo>
                 </a:path>
               </a:pathLst>
@@ -3519,21 +3519,21 @@
           </p:nvSpPr>
           <p:spPr>
             <a:xfrm>
-              <a:off x="2542904" y="5538015"/>
-              <a:ext cx="5936987" cy="0"/>
+              <a:off x="4280423" y="7395957"/>
+              <a:ext cx="6851387" cy="0"/>
             </a:xfrm>
             <a:custGeom>
               <a:avLst/>
               <a:pathLst>
-                <a:path w="5936987" h="0">
+                <a:path w="6851387" h="0">
                   <a:moveTo>
                     <a:pt x="0" y="0"/>
                   </a:moveTo>
                   <a:lnTo>
-                    <a:pt x="5936987" y="0"/>
+                    <a:pt x="6851387" y="0"/>
                   </a:lnTo>
                   <a:lnTo>
-                    <a:pt x="5936987" y="0"/>
+                    <a:pt x="6851387" y="0"/>
                   </a:lnTo>
                 </a:path>
               </a:pathLst>
@@ -3562,21 +3562,21 @@
           </p:nvSpPr>
           <p:spPr>
             <a:xfrm>
-              <a:off x="2542904" y="5311729"/>
-              <a:ext cx="5936987" cy="0"/>
+              <a:off x="4280423" y="7133386"/>
+              <a:ext cx="6851387" cy="0"/>
             </a:xfrm>
             <a:custGeom>
               <a:avLst/>
               <a:pathLst>
-                <a:path w="5936987" h="0">
+                <a:path w="6851387" h="0">
                   <a:moveTo>
                     <a:pt x="0" y="0"/>
                   </a:moveTo>
                   <a:lnTo>
-                    <a:pt x="5936987" y="0"/>
+                    <a:pt x="6851387" y="0"/>
                   </a:lnTo>
                   <a:lnTo>
-                    <a:pt x="5936987" y="0"/>
+                    <a:pt x="6851387" y="0"/>
                   </a:lnTo>
                 </a:path>
               </a:pathLst>
@@ -3605,21 +3605,21 @@
           </p:nvSpPr>
           <p:spPr>
             <a:xfrm>
-              <a:off x="2542904" y="5085443"/>
-              <a:ext cx="5936987" cy="0"/>
+              <a:off x="4280423" y="6870814"/>
+              <a:ext cx="6851387" cy="0"/>
             </a:xfrm>
             <a:custGeom>
               <a:avLst/>
               <a:pathLst>
-                <a:path w="5936987" h="0">
+                <a:path w="6851387" h="0">
                   <a:moveTo>
                     <a:pt x="0" y="0"/>
                   </a:moveTo>
                   <a:lnTo>
-                    <a:pt x="5936987" y="0"/>
+                    <a:pt x="6851387" y="0"/>
                   </a:lnTo>
                   <a:lnTo>
-                    <a:pt x="5936987" y="0"/>
+                    <a:pt x="6851387" y="0"/>
                   </a:lnTo>
                 </a:path>
               </a:pathLst>
@@ -3648,21 +3648,21 @@
           </p:nvSpPr>
           <p:spPr>
             <a:xfrm>
-              <a:off x="2542904" y="4859157"/>
-              <a:ext cx="5936987" cy="0"/>
+              <a:off x="4280423" y="6608242"/>
+              <a:ext cx="6851387" cy="0"/>
             </a:xfrm>
             <a:custGeom>
               <a:avLst/>
               <a:pathLst>
-                <a:path w="5936987" h="0">
+                <a:path w="6851387" h="0">
                   <a:moveTo>
                     <a:pt x="0" y="0"/>
                   </a:moveTo>
                   <a:lnTo>
-                    <a:pt x="5936987" y="0"/>
+                    <a:pt x="6851387" y="0"/>
                   </a:lnTo>
                   <a:lnTo>
-                    <a:pt x="5936987" y="0"/>
+                    <a:pt x="6851387" y="0"/>
                   </a:lnTo>
                 </a:path>
               </a:pathLst>
@@ -3691,21 +3691,21 @@
           </p:nvSpPr>
           <p:spPr>
             <a:xfrm>
-              <a:off x="2542904" y="4632871"/>
-              <a:ext cx="5936987" cy="0"/>
+              <a:off x="4280423" y="6345671"/>
+              <a:ext cx="6851387" cy="0"/>
             </a:xfrm>
             <a:custGeom>
               <a:avLst/>
               <a:pathLst>
-                <a:path w="5936987" h="0">
+                <a:path w="6851387" h="0">
                   <a:moveTo>
                     <a:pt x="0" y="0"/>
                   </a:moveTo>
                   <a:lnTo>
-                    <a:pt x="5936987" y="0"/>
+                    <a:pt x="6851387" y="0"/>
                   </a:lnTo>
                   <a:lnTo>
-                    <a:pt x="5936987" y="0"/>
+                    <a:pt x="6851387" y="0"/>
                   </a:lnTo>
                 </a:path>
               </a:pathLst>
@@ -3734,21 +3734,21 @@
           </p:nvSpPr>
           <p:spPr>
             <a:xfrm>
-              <a:off x="2542904" y="4406586"/>
-              <a:ext cx="5936987" cy="0"/>
+              <a:off x="4280423" y="6083099"/>
+              <a:ext cx="6851387" cy="0"/>
             </a:xfrm>
             <a:custGeom>
               <a:avLst/>
               <a:pathLst>
-                <a:path w="5936987" h="0">
+                <a:path w="6851387" h="0">
                   <a:moveTo>
                     <a:pt x="0" y="0"/>
                   </a:moveTo>
                   <a:lnTo>
-                    <a:pt x="5936987" y="0"/>
+                    <a:pt x="6851387" y="0"/>
                   </a:lnTo>
                   <a:lnTo>
-                    <a:pt x="5936987" y="0"/>
+                    <a:pt x="6851387" y="0"/>
                   </a:lnTo>
                 </a:path>
               </a:pathLst>
@@ -3777,21 +3777,21 @@
           </p:nvSpPr>
           <p:spPr>
             <a:xfrm>
-              <a:off x="2542904" y="4180300"/>
-              <a:ext cx="5936987" cy="0"/>
+              <a:off x="4280423" y="5820527"/>
+              <a:ext cx="6851387" cy="0"/>
             </a:xfrm>
             <a:custGeom>
               <a:avLst/>
               <a:pathLst>
-                <a:path w="5936987" h="0">
+                <a:path w="6851387" h="0">
                   <a:moveTo>
                     <a:pt x="0" y="0"/>
                   </a:moveTo>
                   <a:lnTo>
-                    <a:pt x="5936987" y="0"/>
+                    <a:pt x="6851387" y="0"/>
                   </a:lnTo>
                   <a:lnTo>
-                    <a:pt x="5936987" y="0"/>
+                    <a:pt x="6851387" y="0"/>
                   </a:lnTo>
                 </a:path>
               </a:pathLst>
@@ -3820,21 +3820,21 @@
           </p:nvSpPr>
           <p:spPr>
             <a:xfrm>
-              <a:off x="2542904" y="3954014"/>
-              <a:ext cx="5936987" cy="0"/>
+              <a:off x="4280423" y="5557956"/>
+              <a:ext cx="6851387" cy="0"/>
             </a:xfrm>
             <a:custGeom>
               <a:avLst/>
               <a:pathLst>
-                <a:path w="5936987" h="0">
+                <a:path w="6851387" h="0">
                   <a:moveTo>
                     <a:pt x="0" y="0"/>
                   </a:moveTo>
                   <a:lnTo>
-                    <a:pt x="5936987" y="0"/>
+                    <a:pt x="6851387" y="0"/>
                   </a:lnTo>
                   <a:lnTo>
-                    <a:pt x="5936987" y="0"/>
+                    <a:pt x="6851387" y="0"/>
                   </a:lnTo>
                 </a:path>
               </a:pathLst>
@@ -3863,21 +3863,21 @@
           </p:nvSpPr>
           <p:spPr>
             <a:xfrm>
-              <a:off x="2542904" y="3727728"/>
-              <a:ext cx="5936987" cy="0"/>
+              <a:off x="4280423" y="5295384"/>
+              <a:ext cx="6851387" cy="0"/>
             </a:xfrm>
             <a:custGeom>
               <a:avLst/>
               <a:pathLst>
-                <a:path w="5936987" h="0">
+                <a:path w="6851387" h="0">
                   <a:moveTo>
                     <a:pt x="0" y="0"/>
                   </a:moveTo>
                   <a:lnTo>
-                    <a:pt x="5936987" y="0"/>
+                    <a:pt x="6851387" y="0"/>
                   </a:lnTo>
                   <a:lnTo>
-                    <a:pt x="5936987" y="0"/>
+                    <a:pt x="6851387" y="0"/>
                   </a:lnTo>
                 </a:path>
               </a:pathLst>
@@ -3906,21 +3906,21 @@
           </p:nvSpPr>
           <p:spPr>
             <a:xfrm>
-              <a:off x="2542904" y="3501442"/>
-              <a:ext cx="5936987" cy="0"/>
+              <a:off x="4280423" y="5032812"/>
+              <a:ext cx="6851387" cy="0"/>
             </a:xfrm>
             <a:custGeom>
               <a:avLst/>
               <a:pathLst>
-                <a:path w="5936987" h="0">
+                <a:path w="6851387" h="0">
                   <a:moveTo>
                     <a:pt x="0" y="0"/>
                   </a:moveTo>
                   <a:lnTo>
-                    <a:pt x="5936987" y="0"/>
+                    <a:pt x="6851387" y="0"/>
                   </a:lnTo>
                   <a:lnTo>
-                    <a:pt x="5936987" y="0"/>
+                    <a:pt x="6851387" y="0"/>
                   </a:lnTo>
                 </a:path>
               </a:pathLst>
@@ -3949,21 +3949,21 @@
           </p:nvSpPr>
           <p:spPr>
             <a:xfrm>
-              <a:off x="2542904" y="3275156"/>
-              <a:ext cx="5936987" cy="0"/>
+              <a:off x="4280423" y="4770241"/>
+              <a:ext cx="6851387" cy="0"/>
             </a:xfrm>
             <a:custGeom>
               <a:avLst/>
               <a:pathLst>
-                <a:path w="5936987" h="0">
+                <a:path w="6851387" h="0">
                   <a:moveTo>
                     <a:pt x="0" y="0"/>
                   </a:moveTo>
                   <a:lnTo>
-                    <a:pt x="5936987" y="0"/>
+                    <a:pt x="6851387" y="0"/>
                   </a:lnTo>
                   <a:lnTo>
-                    <a:pt x="5936987" y="0"/>
+                    <a:pt x="6851387" y="0"/>
                   </a:lnTo>
                 </a:path>
               </a:pathLst>
@@ -3992,21 +3992,21 @@
           </p:nvSpPr>
           <p:spPr>
             <a:xfrm>
-              <a:off x="2542904" y="3048870"/>
-              <a:ext cx="5936987" cy="0"/>
+              <a:off x="4280423" y="4507669"/>
+              <a:ext cx="6851387" cy="0"/>
             </a:xfrm>
             <a:custGeom>
               <a:avLst/>
               <a:pathLst>
-                <a:path w="5936987" h="0">
+                <a:path w="6851387" h="0">
                   <a:moveTo>
                     <a:pt x="0" y="0"/>
                   </a:moveTo>
                   <a:lnTo>
-                    <a:pt x="5936987" y="0"/>
+                    <a:pt x="6851387" y="0"/>
                   </a:lnTo>
                   <a:lnTo>
-                    <a:pt x="5936987" y="0"/>
+                    <a:pt x="6851387" y="0"/>
                   </a:lnTo>
                 </a:path>
               </a:pathLst>
@@ -4035,21 +4035,21 @@
           </p:nvSpPr>
           <p:spPr>
             <a:xfrm>
-              <a:off x="2542904" y="2822584"/>
-              <a:ext cx="5936987" cy="0"/>
+              <a:off x="4280423" y="4245098"/>
+              <a:ext cx="6851387" cy="0"/>
             </a:xfrm>
             <a:custGeom>
               <a:avLst/>
               <a:pathLst>
-                <a:path w="5936987" h="0">
+                <a:path w="6851387" h="0">
                   <a:moveTo>
                     <a:pt x="0" y="0"/>
                   </a:moveTo>
                   <a:lnTo>
-                    <a:pt x="5936987" y="0"/>
+                    <a:pt x="6851387" y="0"/>
                   </a:lnTo>
                   <a:lnTo>
-                    <a:pt x="5936987" y="0"/>
+                    <a:pt x="6851387" y="0"/>
                   </a:lnTo>
                 </a:path>
               </a:pathLst>
@@ -4078,21 +4078,21 @@
           </p:nvSpPr>
           <p:spPr>
             <a:xfrm>
-              <a:off x="2542904" y="2596298"/>
-              <a:ext cx="5936987" cy="0"/>
+              <a:off x="4280423" y="3982526"/>
+              <a:ext cx="6851387" cy="0"/>
             </a:xfrm>
             <a:custGeom>
               <a:avLst/>
               <a:pathLst>
-                <a:path w="5936987" h="0">
+                <a:path w="6851387" h="0">
                   <a:moveTo>
                     <a:pt x="0" y="0"/>
                   </a:moveTo>
                   <a:lnTo>
-                    <a:pt x="5936987" y="0"/>
+                    <a:pt x="6851387" y="0"/>
                   </a:lnTo>
                   <a:lnTo>
-                    <a:pt x="5936987" y="0"/>
+                    <a:pt x="6851387" y="0"/>
                   </a:lnTo>
                 </a:path>
               </a:pathLst>
@@ -4121,21 +4121,21 @@
           </p:nvSpPr>
           <p:spPr>
             <a:xfrm>
-              <a:off x="2542904" y="2370012"/>
-              <a:ext cx="5936987" cy="0"/>
+              <a:off x="4280423" y="3719954"/>
+              <a:ext cx="6851387" cy="0"/>
             </a:xfrm>
             <a:custGeom>
               <a:avLst/>
               <a:pathLst>
-                <a:path w="5936987" h="0">
+                <a:path w="6851387" h="0">
                   <a:moveTo>
                     <a:pt x="0" y="0"/>
                   </a:moveTo>
                   <a:lnTo>
-                    <a:pt x="5936987" y="0"/>
+                    <a:pt x="6851387" y="0"/>
                   </a:lnTo>
                   <a:lnTo>
-                    <a:pt x="5936987" y="0"/>
+                    <a:pt x="6851387" y="0"/>
                   </a:lnTo>
                 </a:path>
               </a:pathLst>
@@ -4164,21 +4164,21 @@
           </p:nvSpPr>
           <p:spPr>
             <a:xfrm>
-              <a:off x="2542904" y="2143726"/>
-              <a:ext cx="5936987" cy="0"/>
+              <a:off x="4280423" y="3457383"/>
+              <a:ext cx="6851387" cy="0"/>
             </a:xfrm>
             <a:custGeom>
               <a:avLst/>
               <a:pathLst>
-                <a:path w="5936987" h="0">
+                <a:path w="6851387" h="0">
                   <a:moveTo>
                     <a:pt x="0" y="0"/>
                   </a:moveTo>
                   <a:lnTo>
-                    <a:pt x="5936987" y="0"/>
+                    <a:pt x="6851387" y="0"/>
                   </a:lnTo>
                   <a:lnTo>
-                    <a:pt x="5936987" y="0"/>
+                    <a:pt x="6851387" y="0"/>
                   </a:lnTo>
                 </a:path>
               </a:pathLst>
@@ -4207,21 +4207,21 @@
           </p:nvSpPr>
           <p:spPr>
             <a:xfrm>
-              <a:off x="2542904" y="1917440"/>
-              <a:ext cx="5936987" cy="0"/>
+              <a:off x="4280423" y="3194811"/>
+              <a:ext cx="6851387" cy="0"/>
             </a:xfrm>
             <a:custGeom>
               <a:avLst/>
               <a:pathLst>
-                <a:path w="5936987" h="0">
+                <a:path w="6851387" h="0">
                   <a:moveTo>
                     <a:pt x="0" y="0"/>
                   </a:moveTo>
                   <a:lnTo>
-                    <a:pt x="5936987" y="0"/>
+                    <a:pt x="6851387" y="0"/>
                   </a:lnTo>
                   <a:lnTo>
-                    <a:pt x="5936987" y="0"/>
+                    <a:pt x="6851387" y="0"/>
                   </a:lnTo>
                 </a:path>
               </a:pathLst>
@@ -4250,21 +4250,21 @@
           </p:nvSpPr>
           <p:spPr>
             <a:xfrm>
-              <a:off x="2542904" y="1691154"/>
-              <a:ext cx="5936987" cy="0"/>
+              <a:off x="4280423" y="2932239"/>
+              <a:ext cx="6851387" cy="0"/>
             </a:xfrm>
             <a:custGeom>
               <a:avLst/>
               <a:pathLst>
-                <a:path w="5936987" h="0">
+                <a:path w="6851387" h="0">
                   <a:moveTo>
                     <a:pt x="0" y="0"/>
                   </a:moveTo>
                   <a:lnTo>
-                    <a:pt x="5936987" y="0"/>
+                    <a:pt x="6851387" y="0"/>
                   </a:lnTo>
                   <a:lnTo>
-                    <a:pt x="5936987" y="0"/>
+                    <a:pt x="6851387" y="0"/>
                   </a:lnTo>
                 </a:path>
               </a:pathLst>
@@ -4293,21 +4293,21 @@
           </p:nvSpPr>
           <p:spPr>
             <a:xfrm>
-              <a:off x="2542904" y="1464868"/>
-              <a:ext cx="5936987" cy="0"/>
+              <a:off x="4280423" y="2669668"/>
+              <a:ext cx="6851387" cy="0"/>
             </a:xfrm>
             <a:custGeom>
               <a:avLst/>
               <a:pathLst>
-                <a:path w="5936987" h="0">
+                <a:path w="6851387" h="0">
                   <a:moveTo>
                     <a:pt x="0" y="0"/>
                   </a:moveTo>
                   <a:lnTo>
-                    <a:pt x="5936987" y="0"/>
+                    <a:pt x="6851387" y="0"/>
                   </a:lnTo>
                   <a:lnTo>
-                    <a:pt x="5936987" y="0"/>
+                    <a:pt x="6851387" y="0"/>
                   </a:lnTo>
                 </a:path>
               </a:pathLst>
@@ -4336,21 +4336,21 @@
           </p:nvSpPr>
           <p:spPr>
             <a:xfrm>
-              <a:off x="2542904" y="1238582"/>
-              <a:ext cx="5936987" cy="0"/>
+              <a:off x="4280423" y="2407096"/>
+              <a:ext cx="6851387" cy="0"/>
             </a:xfrm>
             <a:custGeom>
               <a:avLst/>
               <a:pathLst>
-                <a:path w="5936987" h="0">
+                <a:path w="6851387" h="0">
                   <a:moveTo>
                     <a:pt x="0" y="0"/>
                   </a:moveTo>
                   <a:lnTo>
-                    <a:pt x="5936987" y="0"/>
+                    <a:pt x="6851387" y="0"/>
                   </a:lnTo>
                   <a:lnTo>
-                    <a:pt x="5936987" y="0"/>
+                    <a:pt x="6851387" y="0"/>
                   </a:lnTo>
                 </a:path>
               </a:pathLst>
@@ -4379,21 +4379,21 @@
           </p:nvSpPr>
           <p:spPr>
             <a:xfrm>
-              <a:off x="2542904" y="1012296"/>
-              <a:ext cx="5936987" cy="0"/>
+              <a:off x="4280423" y="2144524"/>
+              <a:ext cx="6851387" cy="0"/>
             </a:xfrm>
             <a:custGeom>
               <a:avLst/>
               <a:pathLst>
-                <a:path w="5936987" h="0">
+                <a:path w="6851387" h="0">
                   <a:moveTo>
                     <a:pt x="0" y="0"/>
                   </a:moveTo>
                   <a:lnTo>
-                    <a:pt x="5936987" y="0"/>
+                    <a:pt x="6851387" y="0"/>
                   </a:lnTo>
                   <a:lnTo>
-                    <a:pt x="5936987" y="0"/>
+                    <a:pt x="6851387" y="0"/>
                   </a:lnTo>
                 </a:path>
               </a:pathLst>
@@ -4422,15 +4422,15 @@
           </p:nvSpPr>
           <p:spPr>
             <a:xfrm>
-              <a:off x="2542904" y="876525"/>
-              <a:ext cx="0" cy="5702405"/>
+              <a:off x="4280423" y="1986981"/>
+              <a:ext cx="0" cy="6616805"/>
             </a:xfrm>
             <a:custGeom>
               <a:avLst/>
               <a:pathLst>
-                <a:path w="0" h="5702405">
+                <a:path w="0" h="6616805">
                   <a:moveTo>
-                    <a:pt x="0" y="5702405"/>
+                    <a:pt x="0" y="6616805"/>
                   </a:moveTo>
                   <a:lnTo>
                     <a:pt x="0" y="0"/>
@@ -4465,15 +4465,15 @@
           </p:nvSpPr>
           <p:spPr>
             <a:xfrm>
-              <a:off x="4578071" y="876525"/>
-              <a:ext cx="0" cy="5702405"/>
+              <a:off x="6629041" y="1986981"/>
+              <a:ext cx="0" cy="6616805"/>
             </a:xfrm>
             <a:custGeom>
               <a:avLst/>
               <a:pathLst>
-                <a:path w="0" h="5702405">
+                <a:path w="0" h="6616805">
                   <a:moveTo>
-                    <a:pt x="0" y="5702405"/>
+                    <a:pt x="0" y="6616805"/>
                   </a:moveTo>
                   <a:lnTo>
                     <a:pt x="0" y="0"/>
@@ -4508,15 +4508,15 @@
           </p:nvSpPr>
           <p:spPr>
             <a:xfrm>
-              <a:off x="6613237" y="876525"/>
-              <a:ext cx="0" cy="5702405"/>
+              <a:off x="8977658" y="1986981"/>
+              <a:ext cx="0" cy="6616805"/>
             </a:xfrm>
             <a:custGeom>
               <a:avLst/>
               <a:pathLst>
-                <a:path w="0" h="5702405">
+                <a:path w="0" h="6616805">
                   <a:moveTo>
-                    <a:pt x="0" y="5702405"/>
+                    <a:pt x="0" y="6616805"/>
                   </a:moveTo>
                   <a:lnTo>
                     <a:pt x="0" y="0"/>
@@ -4551,8 +4551,8 @@
           </p:nvSpPr>
           <p:spPr>
             <a:xfrm>
-              <a:off x="2542904" y="910468"/>
-              <a:ext cx="5820576" cy="203657"/>
+              <a:off x="4280423" y="2026367"/>
+              <a:ext cx="6717046" cy="236314"/>
             </a:xfrm>
             <a:prstGeom prst="rect">
               <a:avLst/>
@@ -4577,8 +4577,8 @@
           </p:nvSpPr>
           <p:spPr>
             <a:xfrm>
-              <a:off x="2542904" y="1136754"/>
-              <a:ext cx="4884399" cy="203657"/>
+              <a:off x="4280423" y="2288939"/>
+              <a:ext cx="5636682" cy="236314"/>
             </a:xfrm>
             <a:prstGeom prst="rect">
               <a:avLst/>
@@ -4603,8 +4603,8 @@
           </p:nvSpPr>
           <p:spPr>
             <a:xfrm>
-              <a:off x="2542904" y="1363039"/>
-              <a:ext cx="4477366" cy="203657"/>
+              <a:off x="4280423" y="2551510"/>
+              <a:ext cx="5166958" cy="236314"/>
             </a:xfrm>
             <a:prstGeom prst="rect">
               <a:avLst/>
@@ -4629,8 +4629,8 @@
           </p:nvSpPr>
           <p:spPr>
             <a:xfrm>
-              <a:off x="2542904" y="1589325"/>
-              <a:ext cx="3948222" cy="203657"/>
+              <a:off x="4280423" y="2814082"/>
+              <a:ext cx="4556318" cy="236314"/>
             </a:xfrm>
             <a:prstGeom prst="rect">
               <a:avLst/>
@@ -4655,8 +4655,8 @@
           </p:nvSpPr>
           <p:spPr>
             <a:xfrm>
-              <a:off x="2542904" y="1815611"/>
-              <a:ext cx="3826112" cy="203657"/>
+              <a:off x="4280423" y="3076654"/>
+              <a:ext cx="4415401" cy="236314"/>
             </a:xfrm>
             <a:prstGeom prst="rect">
               <a:avLst/>
@@ -4681,8 +4681,8 @@
           </p:nvSpPr>
           <p:spPr>
             <a:xfrm>
-              <a:off x="2542904" y="2041897"/>
-              <a:ext cx="3704002" cy="203657"/>
+              <a:off x="4280423" y="3339225"/>
+              <a:ext cx="4274484" cy="236314"/>
             </a:xfrm>
             <a:prstGeom prst="rect">
               <a:avLst/>
@@ -4707,8 +4707,8 @@
           </p:nvSpPr>
           <p:spPr>
             <a:xfrm>
-              <a:off x="2542904" y="2268183"/>
-              <a:ext cx="3581892" cy="203657"/>
+              <a:off x="4280423" y="3601797"/>
+              <a:ext cx="4133567" cy="236314"/>
             </a:xfrm>
             <a:prstGeom prst="rect">
               <a:avLst/>
@@ -4733,8 +4733,8 @@
           </p:nvSpPr>
           <p:spPr>
             <a:xfrm>
-              <a:off x="2542904" y="2494469"/>
-              <a:ext cx="2971343" cy="203657"/>
+              <a:off x="4280423" y="3864369"/>
+              <a:ext cx="3428981" cy="236314"/>
             </a:xfrm>
             <a:prstGeom prst="rect">
               <a:avLst/>
@@ -4759,8 +4759,8 @@
           </p:nvSpPr>
           <p:spPr>
             <a:xfrm>
-              <a:off x="2542904" y="2720755"/>
-              <a:ext cx="2971343" cy="203657"/>
+              <a:off x="4280423" y="4126940"/>
+              <a:ext cx="3428981" cy="236314"/>
             </a:xfrm>
             <a:prstGeom prst="rect">
               <a:avLst/>
@@ -4785,8 +4785,8 @@
           </p:nvSpPr>
           <p:spPr>
             <a:xfrm>
-              <a:off x="2542904" y="2947041"/>
-              <a:ext cx="2645716" cy="203657"/>
+              <a:off x="4280423" y="4389512"/>
+              <a:ext cx="3053203" cy="236314"/>
             </a:xfrm>
             <a:prstGeom prst="rect">
               <a:avLst/>
@@ -4811,8 +4811,8 @@
           </p:nvSpPr>
           <p:spPr>
             <a:xfrm>
-              <a:off x="2542904" y="3173327"/>
-              <a:ext cx="2442199" cy="203657"/>
+              <a:off x="4280423" y="4652084"/>
+              <a:ext cx="2818341" cy="236314"/>
             </a:xfrm>
             <a:prstGeom prst="rect">
               <a:avLst/>
@@ -4837,8 +4837,8 @@
           </p:nvSpPr>
           <p:spPr>
             <a:xfrm>
-              <a:off x="2542904" y="3399613"/>
-              <a:ext cx="2238683" cy="203657"/>
+              <a:off x="4280423" y="4914655"/>
+              <a:ext cx="2583479" cy="236314"/>
             </a:xfrm>
             <a:prstGeom prst="rect">
               <a:avLst/>
@@ -4863,8 +4863,8 @@
           </p:nvSpPr>
           <p:spPr>
             <a:xfrm>
-              <a:off x="2542904" y="3625899"/>
-              <a:ext cx="2197979" cy="203657"/>
+              <a:off x="4280423" y="5177227"/>
+              <a:ext cx="2536507" cy="236314"/>
             </a:xfrm>
             <a:prstGeom prst="rect">
               <a:avLst/>
@@ -4889,8 +4889,8 @@
           </p:nvSpPr>
           <p:spPr>
             <a:xfrm>
-              <a:off x="2542904" y="3852185"/>
-              <a:ext cx="2197979" cy="203657"/>
+              <a:off x="4280423" y="5439799"/>
+              <a:ext cx="2536507" cy="236314"/>
             </a:xfrm>
             <a:prstGeom prst="rect">
               <a:avLst/>
@@ -4915,8 +4915,8 @@
           </p:nvSpPr>
           <p:spPr>
             <a:xfrm>
-              <a:off x="2542904" y="4078471"/>
-              <a:ext cx="1994463" cy="203657"/>
+              <a:off x="4280423" y="5702370"/>
+              <a:ext cx="2301645" cy="236314"/>
             </a:xfrm>
             <a:prstGeom prst="rect">
               <a:avLst/>
@@ -4941,8 +4941,8 @@
           </p:nvSpPr>
           <p:spPr>
             <a:xfrm>
-              <a:off x="2542904" y="4304757"/>
-              <a:ext cx="1994463" cy="203657"/>
+              <a:off x="4280423" y="5964942"/>
+              <a:ext cx="2301645" cy="236314"/>
             </a:xfrm>
             <a:prstGeom prst="rect">
               <a:avLst/>
@@ -4967,8 +4967,8 @@
           </p:nvSpPr>
           <p:spPr>
             <a:xfrm>
-              <a:off x="2542904" y="4531043"/>
-              <a:ext cx="1953759" cy="203657"/>
+              <a:off x="4280423" y="6227514"/>
+              <a:ext cx="2254673" cy="236314"/>
             </a:xfrm>
             <a:prstGeom prst="rect">
               <a:avLst/>
@@ -4993,8 +4993,8 @@
           </p:nvSpPr>
           <p:spPr>
             <a:xfrm>
-              <a:off x="2542904" y="4757329"/>
-              <a:ext cx="1953759" cy="203657"/>
+              <a:off x="4280423" y="6490085"/>
+              <a:ext cx="2254673" cy="236314"/>
             </a:xfrm>
             <a:prstGeom prst="rect">
               <a:avLst/>
@@ -5019,8 +5019,8 @@
           </p:nvSpPr>
           <p:spPr>
             <a:xfrm>
-              <a:off x="2542904" y="4983615"/>
-              <a:ext cx="1913056" cy="203657"/>
+              <a:off x="4280423" y="6752657"/>
+              <a:ext cx="2207700" cy="236314"/>
             </a:xfrm>
             <a:prstGeom prst="rect">
               <a:avLst/>
@@ -5045,8 +5045,8 @@
           </p:nvSpPr>
           <p:spPr>
             <a:xfrm>
-              <a:off x="2542904" y="5209901"/>
-              <a:ext cx="1709539" cy="203657"/>
+              <a:off x="4280423" y="7015229"/>
+              <a:ext cx="1972838" cy="236314"/>
             </a:xfrm>
             <a:prstGeom prst="rect">
               <a:avLst/>
@@ -5071,8 +5071,8 @@
           </p:nvSpPr>
           <p:spPr>
             <a:xfrm>
-              <a:off x="2542904" y="5436187"/>
-              <a:ext cx="1546726" cy="203657"/>
+              <a:off x="4280423" y="7277800"/>
+              <a:ext cx="1784949" cy="236314"/>
             </a:xfrm>
             <a:prstGeom prst="rect">
               <a:avLst/>
@@ -5097,8 +5097,8 @@
           </p:nvSpPr>
           <p:spPr>
             <a:xfrm>
-              <a:off x="2542904" y="5662473"/>
-              <a:ext cx="1383913" cy="203657"/>
+              <a:off x="4280423" y="7540372"/>
+              <a:ext cx="1597060" cy="236314"/>
             </a:xfrm>
             <a:prstGeom prst="rect">
               <a:avLst/>
@@ -5123,8 +5123,8 @@
           </p:nvSpPr>
           <p:spPr>
             <a:xfrm>
-              <a:off x="2542904" y="5888758"/>
-              <a:ext cx="1343209" cy="203657"/>
+              <a:off x="4280423" y="7802944"/>
+              <a:ext cx="1550087" cy="236314"/>
             </a:xfrm>
             <a:prstGeom prst="rect">
               <a:avLst/>
@@ -5149,8 +5149,8 @@
           </p:nvSpPr>
           <p:spPr>
             <a:xfrm>
-              <a:off x="2542904" y="6115044"/>
-              <a:ext cx="1261803" cy="203657"/>
+              <a:off x="4280423" y="8065515"/>
+              <a:ext cx="1456142" cy="236314"/>
             </a:xfrm>
             <a:prstGeom prst="rect">
               <a:avLst/>
@@ -5175,8 +5175,8 @@
           </p:nvSpPr>
           <p:spPr>
             <a:xfrm>
-              <a:off x="2542904" y="6341330"/>
-              <a:ext cx="1139693" cy="203657"/>
+              <a:off x="4280423" y="8328087"/>
+              <a:ext cx="1315225" cy="236314"/>
             </a:xfrm>
             <a:prstGeom prst="rect">
               <a:avLst/>
@@ -5201,7 +5201,7 @@
           </p:nvSpPr>
           <p:spPr>
             <a:xfrm>
-              <a:off x="6666584" y="955278"/>
+              <a:off x="9206231" y="2087506"/>
               <a:ext cx="1656193" cy="80298"/>
             </a:xfrm>
             <a:prstGeom prst="rect">
@@ -5247,7 +5247,7 @@
           </p:nvSpPr>
           <p:spPr>
             <a:xfrm>
-              <a:off x="6483314" y="1181617"/>
+              <a:off x="8878773" y="2350130"/>
               <a:ext cx="903286" cy="80245"/>
             </a:xfrm>
             <a:prstGeom prst="rect">
@@ -5293,7 +5293,7 @@
           </p:nvSpPr>
           <p:spPr>
             <a:xfrm>
-              <a:off x="5311358" y="1407850"/>
+              <a:off x="7644127" y="2612649"/>
               <a:ext cx="1668208" cy="80298"/>
             </a:xfrm>
             <a:prstGeom prst="rect">
@@ -5339,7 +5339,7 @@
           </p:nvSpPr>
           <p:spPr>
             <a:xfrm>
-              <a:off x="5890243" y="1634136"/>
+              <a:off x="8141515" y="2875221"/>
               <a:ext cx="560180" cy="80298"/>
             </a:xfrm>
             <a:prstGeom prst="rect">
@@ -5385,7 +5385,7 @@
           </p:nvSpPr>
           <p:spPr>
             <a:xfrm>
-              <a:off x="4744267" y="1860422"/>
+              <a:off x="6976732" y="3137792"/>
               <a:ext cx="1584046" cy="80298"/>
             </a:xfrm>
             <a:prstGeom prst="rect">
@@ -5431,7 +5431,7 @@
           </p:nvSpPr>
           <p:spPr>
             <a:xfrm>
-              <a:off x="3592363" y="2086760"/>
+              <a:off x="5806020" y="3400417"/>
               <a:ext cx="2613841" cy="80245"/>
             </a:xfrm>
             <a:prstGeom prst="rect">
@@ -5477,7 +5477,7 @@
           </p:nvSpPr>
           <p:spPr>
             <a:xfrm>
-              <a:off x="4229246" y="2312993"/>
+              <a:off x="6424097" y="3662936"/>
               <a:ext cx="1854847" cy="80298"/>
             </a:xfrm>
             <a:prstGeom prst="rect">
@@ -5523,7 +5523,7 @@
           </p:nvSpPr>
           <p:spPr>
             <a:xfrm>
-              <a:off x="4636475" y="2532875"/>
+              <a:off x="6737291" y="3919103"/>
               <a:ext cx="837068" cy="86702"/>
             </a:xfrm>
             <a:prstGeom prst="rect">
@@ -5569,7 +5569,7 @@
           </p:nvSpPr>
           <p:spPr>
             <a:xfrm>
-              <a:off x="4317136" y="2765565"/>
+              <a:off x="6417951" y="4188079"/>
               <a:ext cx="1156408" cy="80298"/>
             </a:xfrm>
             <a:prstGeom prst="rect">
@@ -5615,7 +5615,7 @@
           </p:nvSpPr>
           <p:spPr>
             <a:xfrm>
-              <a:off x="5229324" y="3007371"/>
+              <a:off x="7468671" y="4466170"/>
               <a:ext cx="2361090" cy="80298"/>
             </a:xfrm>
             <a:prstGeom prst="rect">
@@ -5661,7 +5661,7 @@
           </p:nvSpPr>
           <p:spPr>
             <a:xfrm>
-              <a:off x="5025807" y="3233657"/>
+              <a:off x="7233810" y="4728742"/>
               <a:ext cx="2824828" cy="80298"/>
             </a:xfrm>
             <a:prstGeom prst="rect">
@@ -5707,7 +5707,7 @@
           </p:nvSpPr>
           <p:spPr>
             <a:xfrm>
-              <a:off x="4822291" y="3459943"/>
+              <a:off x="6998948" y="4991314"/>
               <a:ext cx="2385227" cy="80298"/>
             </a:xfrm>
             <a:prstGeom prst="rect">
@@ -5753,7 +5753,7 @@
           </p:nvSpPr>
           <p:spPr>
             <a:xfrm>
-              <a:off x="4781587" y="3686282"/>
+              <a:off x="6951976" y="5253938"/>
               <a:ext cx="620311" cy="80245"/>
             </a:xfrm>
             <a:prstGeom prst="rect">
@@ -5799,7 +5799,7 @@
           </p:nvSpPr>
           <p:spPr>
             <a:xfrm>
-              <a:off x="4781587" y="3912515"/>
+              <a:off x="6951976" y="5516457"/>
               <a:ext cx="1024024" cy="80298"/>
             </a:xfrm>
             <a:prstGeom prst="rect">
@@ -5845,7 +5845,7 @@
           </p:nvSpPr>
           <p:spPr>
             <a:xfrm>
-              <a:off x="4578071" y="4138801"/>
+              <a:off x="6717114" y="5779029"/>
               <a:ext cx="1541912" cy="80298"/>
             </a:xfrm>
             <a:prstGeom prst="rect">
@@ -5891,7 +5891,7 @@
           </p:nvSpPr>
           <p:spPr>
             <a:xfrm>
-              <a:off x="4578071" y="4365087"/>
+              <a:off x="6717114" y="6041600"/>
               <a:ext cx="2132159" cy="80298"/>
             </a:xfrm>
             <a:prstGeom prst="rect">
@@ -5937,7 +5937,7 @@
           </p:nvSpPr>
           <p:spPr>
             <a:xfrm>
-              <a:off x="4537367" y="4586662"/>
+              <a:off x="6670141" y="6299461"/>
               <a:ext cx="1451663" cy="85008"/>
             </a:xfrm>
             <a:prstGeom prst="rect">
@@ -5983,7 +5983,7 @@
           </p:nvSpPr>
           <p:spPr>
             <a:xfrm>
-              <a:off x="4537367" y="4817659"/>
+              <a:off x="6670141" y="6566744"/>
               <a:ext cx="2054084" cy="80298"/>
             </a:xfrm>
             <a:prstGeom prst="rect">
@@ -6029,7 +6029,7 @@
           </p:nvSpPr>
           <p:spPr>
             <a:xfrm>
-              <a:off x="4496664" y="5043998"/>
+              <a:off x="6623169" y="6829368"/>
               <a:ext cx="530009" cy="80245"/>
             </a:xfrm>
             <a:prstGeom prst="rect">
@@ -6075,7 +6075,7 @@
           </p:nvSpPr>
           <p:spPr>
             <a:xfrm>
-              <a:off x="4293148" y="5270231"/>
+              <a:off x="6388307" y="7091887"/>
               <a:ext cx="1240887" cy="80298"/>
             </a:xfrm>
             <a:prstGeom prst="rect">
@@ -6121,7 +6121,7 @@
           </p:nvSpPr>
           <p:spPr>
             <a:xfrm>
-              <a:off x="4130334" y="5496516"/>
+              <a:off x="6200418" y="7354459"/>
               <a:ext cx="3373205" cy="80298"/>
             </a:xfrm>
             <a:prstGeom prst="rect">
@@ -6167,7 +6167,7 @@
           </p:nvSpPr>
           <p:spPr>
             <a:xfrm>
-              <a:off x="3967521" y="5722802"/>
+              <a:off x="6012528" y="7617030"/>
               <a:ext cx="2963564" cy="80298"/>
             </a:xfrm>
             <a:prstGeom prst="rect">
@@ -6213,7 +6213,7 @@
           </p:nvSpPr>
           <p:spPr>
             <a:xfrm>
-              <a:off x="3926818" y="5949088"/>
+              <a:off x="5965556" y="7879602"/>
               <a:ext cx="3035604" cy="80298"/>
             </a:xfrm>
             <a:prstGeom prst="rect">
@@ -6259,7 +6259,7 @@
           </p:nvSpPr>
           <p:spPr>
             <a:xfrm>
-              <a:off x="3845411" y="6175374"/>
+              <a:off x="5871611" y="8142174"/>
               <a:ext cx="2873208" cy="80298"/>
             </a:xfrm>
             <a:prstGeom prst="rect">
@@ -6305,7 +6305,7 @@
           </p:nvSpPr>
           <p:spPr>
             <a:xfrm>
-              <a:off x="3723301" y="6401660"/>
+              <a:off x="5730694" y="8404745"/>
               <a:ext cx="2915554" cy="80298"/>
             </a:xfrm>
             <a:prstGeom prst="rect">
@@ -6351,8 +6351,8 @@
           </p:nvSpPr>
           <p:spPr>
             <a:xfrm>
-              <a:off x="2542904" y="876525"/>
-              <a:ext cx="5936987" cy="5702405"/>
+              <a:off x="4280423" y="1986981"/>
+              <a:ext cx="6851387" cy="6616805"/>
             </a:xfrm>
             <a:prstGeom prst="rect">
               <a:avLst/>
@@ -6381,7 +6381,7 @@
           </p:nvSpPr>
           <p:spPr>
             <a:xfrm>
-              <a:off x="2383799" y="6401467"/>
+              <a:off x="4121317" y="8404552"/>
               <a:ext cx="124311" cy="81691"/>
             </a:xfrm>
             <a:prstGeom prst="rect">
@@ -6427,7 +6427,7 @@
           </p:nvSpPr>
           <p:spPr>
             <a:xfrm>
-              <a:off x="2383799" y="6176546"/>
+              <a:off x="4121317" y="8143345"/>
               <a:ext cx="124311" cy="80327"/>
             </a:xfrm>
             <a:prstGeom prst="rect">
@@ -6473,7 +6473,7 @@
           </p:nvSpPr>
           <p:spPr>
             <a:xfrm>
-              <a:off x="2383799" y="5948895"/>
+              <a:off x="4121317" y="7879409"/>
               <a:ext cx="124311" cy="81691"/>
             </a:xfrm>
             <a:prstGeom prst="rect">
@@ -6519,7 +6519,7 @@
           </p:nvSpPr>
           <p:spPr>
             <a:xfrm>
-              <a:off x="2383799" y="5723974"/>
+              <a:off x="4121317" y="7618202"/>
               <a:ext cx="124311" cy="80327"/>
             </a:xfrm>
             <a:prstGeom prst="rect">
@@ -6565,7 +6565,7 @@
           </p:nvSpPr>
           <p:spPr>
             <a:xfrm>
-              <a:off x="2383799" y="5497688"/>
+              <a:off x="4121317" y="7355630"/>
               <a:ext cx="124311" cy="80327"/>
             </a:xfrm>
             <a:prstGeom prst="rect">
@@ -6611,7 +6611,7 @@
           </p:nvSpPr>
           <p:spPr>
             <a:xfrm>
-              <a:off x="2383799" y="5270038"/>
+              <a:off x="4121317" y="7091694"/>
               <a:ext cx="124311" cy="81691"/>
             </a:xfrm>
             <a:prstGeom prst="rect">
@@ -6657,7 +6657,7 @@
           </p:nvSpPr>
           <p:spPr>
             <a:xfrm>
-              <a:off x="2383799" y="5043697"/>
+              <a:off x="4121317" y="6829068"/>
               <a:ext cx="124311" cy="81746"/>
             </a:xfrm>
             <a:prstGeom prst="rect">
@@ -6703,7 +6703,7 @@
           </p:nvSpPr>
           <p:spPr>
             <a:xfrm>
-              <a:off x="2383799" y="4817411"/>
+              <a:off x="4121317" y="6566496"/>
               <a:ext cx="124311" cy="81746"/>
             </a:xfrm>
             <a:prstGeom prst="rect">
@@ -6749,7 +6749,7 @@
           </p:nvSpPr>
           <p:spPr>
             <a:xfrm>
-              <a:off x="2383799" y="4592544"/>
+              <a:off x="4121317" y="6305343"/>
               <a:ext cx="124311" cy="80327"/>
             </a:xfrm>
             <a:prstGeom prst="rect">
@@ -6795,7 +6795,7 @@
           </p:nvSpPr>
           <p:spPr>
             <a:xfrm>
-              <a:off x="2383799" y="4364894"/>
+              <a:off x="4121317" y="6041407"/>
               <a:ext cx="124311" cy="81691"/>
             </a:xfrm>
             <a:prstGeom prst="rect">
@@ -6841,7 +6841,7 @@
           </p:nvSpPr>
           <p:spPr>
             <a:xfrm>
-              <a:off x="2383799" y="4138608"/>
+              <a:off x="4121317" y="5778836"/>
               <a:ext cx="124311" cy="81691"/>
             </a:xfrm>
             <a:prstGeom prst="rect">
@@ -6887,7 +6887,7 @@
           </p:nvSpPr>
           <p:spPr>
             <a:xfrm>
-              <a:off x="2383799" y="3913686"/>
+              <a:off x="4121317" y="5517628"/>
               <a:ext cx="124311" cy="80327"/>
             </a:xfrm>
             <a:prstGeom prst="rect">
@@ -6933,7 +6933,7 @@
           </p:nvSpPr>
           <p:spPr>
             <a:xfrm>
-              <a:off x="2383799" y="3686036"/>
+              <a:off x="4121317" y="5253692"/>
               <a:ext cx="124311" cy="81691"/>
             </a:xfrm>
             <a:prstGeom prst="rect">
@@ -6979,7 +6979,7 @@
           </p:nvSpPr>
           <p:spPr>
             <a:xfrm>
-              <a:off x="2383799" y="3461114"/>
+              <a:off x="4121317" y="4992485"/>
               <a:ext cx="124311" cy="80327"/>
             </a:xfrm>
             <a:prstGeom prst="rect">
@@ -7025,7 +7025,7 @@
           </p:nvSpPr>
           <p:spPr>
             <a:xfrm>
-              <a:off x="2383799" y="3234828"/>
+              <a:off x="4121317" y="4729913"/>
               <a:ext cx="124311" cy="80327"/>
             </a:xfrm>
             <a:prstGeom prst="rect">
@@ -7071,7 +7071,7 @@
           </p:nvSpPr>
           <p:spPr>
             <a:xfrm>
-              <a:off x="2383799" y="3007178"/>
+              <a:off x="4121317" y="4465977"/>
               <a:ext cx="124311" cy="81691"/>
             </a:xfrm>
             <a:prstGeom prst="rect">
@@ -7117,7 +7117,7 @@
           </p:nvSpPr>
           <p:spPr>
             <a:xfrm>
-              <a:off x="2445954" y="2780838"/>
+              <a:off x="4183473" y="4203351"/>
               <a:ext cx="62155" cy="81746"/>
             </a:xfrm>
             <a:prstGeom prst="rect">
@@ -7163,7 +7163,7 @@
           </p:nvSpPr>
           <p:spPr>
             <a:xfrm>
-              <a:off x="2445954" y="2554552"/>
+              <a:off x="4183473" y="3940780"/>
               <a:ext cx="62155" cy="81746"/>
             </a:xfrm>
             <a:prstGeom prst="rect">
@@ -7209,7 +7209,7 @@
           </p:nvSpPr>
           <p:spPr>
             <a:xfrm>
-              <a:off x="2445954" y="2331103"/>
+              <a:off x="4183473" y="3681046"/>
               <a:ext cx="62155" cy="78908"/>
             </a:xfrm>
             <a:prstGeom prst="rect">
@@ -7255,7 +7255,7 @@
           </p:nvSpPr>
           <p:spPr>
             <a:xfrm>
-              <a:off x="2445954" y="2102034"/>
+              <a:off x="4183473" y="3415691"/>
               <a:ext cx="62155" cy="81691"/>
             </a:xfrm>
             <a:prstGeom prst="rect">
@@ -7301,7 +7301,7 @@
           </p:nvSpPr>
           <p:spPr>
             <a:xfrm>
-              <a:off x="2445954" y="1877167"/>
+              <a:off x="4183473" y="3154538"/>
               <a:ext cx="62155" cy="80272"/>
             </a:xfrm>
             <a:prstGeom prst="rect">
@@ -7347,7 +7347,7 @@
           </p:nvSpPr>
           <p:spPr>
             <a:xfrm>
-              <a:off x="2445954" y="1650827"/>
+              <a:off x="4183473" y="2891912"/>
               <a:ext cx="62155" cy="80327"/>
             </a:xfrm>
             <a:prstGeom prst="rect">
@@ -7393,7 +7393,7 @@
           </p:nvSpPr>
           <p:spPr>
             <a:xfrm>
-              <a:off x="2445954" y="1423176"/>
+              <a:off x="4183473" y="2627976"/>
               <a:ext cx="62155" cy="81691"/>
             </a:xfrm>
             <a:prstGeom prst="rect">
@@ -7439,7 +7439,7 @@
           </p:nvSpPr>
           <p:spPr>
             <a:xfrm>
-              <a:off x="2445954" y="1198255"/>
+              <a:off x="4183473" y="2366768"/>
               <a:ext cx="62155" cy="80327"/>
             </a:xfrm>
             <a:prstGeom prst="rect">
@@ -7485,7 +7485,7 @@
           </p:nvSpPr>
           <p:spPr>
             <a:xfrm>
-              <a:off x="2445954" y="971969"/>
+              <a:off x="4183473" y="2104197"/>
               <a:ext cx="62155" cy="80327"/>
             </a:xfrm>
             <a:prstGeom prst="rect">
@@ -7531,7 +7531,7 @@
           </p:nvSpPr>
           <p:spPr>
             <a:xfrm>
-              <a:off x="2508110" y="6443159"/>
+              <a:off x="4245628" y="8446244"/>
               <a:ext cx="34794" cy="0"/>
             </a:xfrm>
             <a:custGeom>
@@ -7571,7 +7571,7 @@
           </p:nvSpPr>
           <p:spPr>
             <a:xfrm>
-              <a:off x="2508110" y="6216873"/>
+              <a:off x="4245628" y="8183672"/>
               <a:ext cx="34794" cy="0"/>
             </a:xfrm>
             <a:custGeom>
@@ -7611,7 +7611,7 @@
           </p:nvSpPr>
           <p:spPr>
             <a:xfrm>
-              <a:off x="2508110" y="5990587"/>
+              <a:off x="4245628" y="7921101"/>
               <a:ext cx="34794" cy="0"/>
             </a:xfrm>
             <a:custGeom>
@@ -7651,7 +7651,7 @@
           </p:nvSpPr>
           <p:spPr>
             <a:xfrm>
-              <a:off x="2508110" y="5764301"/>
+              <a:off x="4245628" y="7658529"/>
               <a:ext cx="34794" cy="0"/>
             </a:xfrm>
             <a:custGeom>
@@ -7691,7 +7691,7 @@
           </p:nvSpPr>
           <p:spPr>
             <a:xfrm>
-              <a:off x="2508110" y="5538015"/>
+              <a:off x="4245628" y="7395957"/>
               <a:ext cx="34794" cy="0"/>
             </a:xfrm>
             <a:custGeom>
@@ -7731,7 +7731,7 @@
           </p:nvSpPr>
           <p:spPr>
             <a:xfrm>
-              <a:off x="2508110" y="5311729"/>
+              <a:off x="4245628" y="7133386"/>
               <a:ext cx="34794" cy="0"/>
             </a:xfrm>
             <a:custGeom>
@@ -7771,7 +7771,7 @@
           </p:nvSpPr>
           <p:spPr>
             <a:xfrm>
-              <a:off x="2508110" y="5085443"/>
+              <a:off x="4245628" y="6870814"/>
               <a:ext cx="34794" cy="0"/>
             </a:xfrm>
             <a:custGeom>
@@ -7811,7 +7811,7 @@
           </p:nvSpPr>
           <p:spPr>
             <a:xfrm>
-              <a:off x="2508110" y="4859157"/>
+              <a:off x="4245628" y="6608242"/>
               <a:ext cx="34794" cy="0"/>
             </a:xfrm>
             <a:custGeom>
@@ -7851,7 +7851,7 @@
           </p:nvSpPr>
           <p:spPr>
             <a:xfrm>
-              <a:off x="2508110" y="4632871"/>
+              <a:off x="4245628" y="6345671"/>
               <a:ext cx="34794" cy="0"/>
             </a:xfrm>
             <a:custGeom>
@@ -7891,7 +7891,7 @@
           </p:nvSpPr>
           <p:spPr>
             <a:xfrm>
-              <a:off x="2508110" y="4406586"/>
+              <a:off x="4245628" y="6083099"/>
               <a:ext cx="34794" cy="0"/>
             </a:xfrm>
             <a:custGeom>
@@ -7931,7 +7931,7 @@
           </p:nvSpPr>
           <p:spPr>
             <a:xfrm>
-              <a:off x="2508110" y="4180300"/>
+              <a:off x="4245628" y="5820527"/>
               <a:ext cx="34794" cy="0"/>
             </a:xfrm>
             <a:custGeom>
@@ -7971,7 +7971,7 @@
           </p:nvSpPr>
           <p:spPr>
             <a:xfrm>
-              <a:off x="2508110" y="3954014"/>
+              <a:off x="4245628" y="5557956"/>
               <a:ext cx="34794" cy="0"/>
             </a:xfrm>
             <a:custGeom>
@@ -8011,7 +8011,7 @@
           </p:nvSpPr>
           <p:spPr>
             <a:xfrm>
-              <a:off x="2508110" y="3727728"/>
+              <a:off x="4245628" y="5295384"/>
               <a:ext cx="34794" cy="0"/>
             </a:xfrm>
             <a:custGeom>
@@ -8051,7 +8051,7 @@
           </p:nvSpPr>
           <p:spPr>
             <a:xfrm>
-              <a:off x="2508110" y="3501442"/>
+              <a:off x="4245628" y="5032812"/>
               <a:ext cx="34794" cy="0"/>
             </a:xfrm>
             <a:custGeom>
@@ -8091,7 +8091,7 @@
           </p:nvSpPr>
           <p:spPr>
             <a:xfrm>
-              <a:off x="2508110" y="3275156"/>
+              <a:off x="4245628" y="4770241"/>
               <a:ext cx="34794" cy="0"/>
             </a:xfrm>
             <a:custGeom>
@@ -8131,7 +8131,7 @@
           </p:nvSpPr>
           <p:spPr>
             <a:xfrm>
-              <a:off x="2508110" y="3048870"/>
+              <a:off x="4245628" y="4507669"/>
               <a:ext cx="34794" cy="0"/>
             </a:xfrm>
             <a:custGeom>
@@ -8171,7 +8171,7 @@
           </p:nvSpPr>
           <p:spPr>
             <a:xfrm>
-              <a:off x="2508110" y="2822584"/>
+              <a:off x="4245628" y="4245098"/>
               <a:ext cx="34794" cy="0"/>
             </a:xfrm>
             <a:custGeom>
@@ -8211,7 +8211,7 @@
           </p:nvSpPr>
           <p:spPr>
             <a:xfrm>
-              <a:off x="2508110" y="2596298"/>
+              <a:off x="4245628" y="3982526"/>
               <a:ext cx="34794" cy="0"/>
             </a:xfrm>
             <a:custGeom>
@@ -8251,7 +8251,7 @@
           </p:nvSpPr>
           <p:spPr>
             <a:xfrm>
-              <a:off x="2508110" y="2370012"/>
+              <a:off x="4245628" y="3719954"/>
               <a:ext cx="34794" cy="0"/>
             </a:xfrm>
             <a:custGeom>
@@ -8291,7 +8291,7 @@
           </p:nvSpPr>
           <p:spPr>
             <a:xfrm>
-              <a:off x="2508110" y="2143726"/>
+              <a:off x="4245628" y="3457383"/>
               <a:ext cx="34794" cy="0"/>
             </a:xfrm>
             <a:custGeom>
@@ -8331,7 +8331,7 @@
           </p:nvSpPr>
           <p:spPr>
             <a:xfrm>
-              <a:off x="2508110" y="1917440"/>
+              <a:off x="4245628" y="3194811"/>
               <a:ext cx="34794" cy="0"/>
             </a:xfrm>
             <a:custGeom>
@@ -8371,7 +8371,7 @@
           </p:nvSpPr>
           <p:spPr>
             <a:xfrm>
-              <a:off x="2508110" y="1691154"/>
+              <a:off x="4245628" y="2932239"/>
               <a:ext cx="34794" cy="0"/>
             </a:xfrm>
             <a:custGeom>
@@ -8411,7 +8411,7 @@
           </p:nvSpPr>
           <p:spPr>
             <a:xfrm>
-              <a:off x="2508110" y="1464868"/>
+              <a:off x="4245628" y="2669668"/>
               <a:ext cx="34794" cy="0"/>
             </a:xfrm>
             <a:custGeom>
@@ -8451,7 +8451,7 @@
           </p:nvSpPr>
           <p:spPr>
             <a:xfrm>
-              <a:off x="2508110" y="1238582"/>
+              <a:off x="4245628" y="2407096"/>
               <a:ext cx="34794" cy="0"/>
             </a:xfrm>
             <a:custGeom>
@@ -8491,7 +8491,7 @@
           </p:nvSpPr>
           <p:spPr>
             <a:xfrm>
-              <a:off x="2508110" y="1012296"/>
+              <a:off x="4245628" y="2144524"/>
               <a:ext cx="34794" cy="0"/>
             </a:xfrm>
             <a:custGeom>
@@ -8531,7 +8531,7 @@
           </p:nvSpPr>
           <p:spPr>
             <a:xfrm>
-              <a:off x="2542904" y="6578931"/>
+              <a:off x="4280423" y="8603787"/>
               <a:ext cx="0" cy="34794"/>
             </a:xfrm>
             <a:custGeom>
@@ -8571,7 +8571,7 @@
           </p:nvSpPr>
           <p:spPr>
             <a:xfrm>
-              <a:off x="4578071" y="6578931"/>
+              <a:off x="6629041" y="8603787"/>
               <a:ext cx="0" cy="34794"/>
             </a:xfrm>
             <a:custGeom>
@@ -8611,7 +8611,7 @@
           </p:nvSpPr>
           <p:spPr>
             <a:xfrm>
-              <a:off x="6613237" y="6578931"/>
+              <a:off x="8977658" y="8603787"/>
               <a:ext cx="0" cy="34794"/>
             </a:xfrm>
             <a:custGeom>
@@ -8651,7 +8651,7 @@
           </p:nvSpPr>
           <p:spPr>
             <a:xfrm>
-              <a:off x="2511827" y="6639869"/>
+              <a:off x="4249345" y="8664726"/>
               <a:ext cx="62155" cy="81691"/>
             </a:xfrm>
             <a:prstGeom prst="rect">
@@ -8697,7 +8697,7 @@
           </p:nvSpPr>
           <p:spPr>
             <a:xfrm>
-              <a:off x="4515915" y="6639869"/>
+              <a:off x="6566885" y="8664726"/>
               <a:ext cx="124311" cy="81691"/>
             </a:xfrm>
             <a:prstGeom prst="rect">
@@ -8743,7 +8743,7 @@
           </p:nvSpPr>
           <p:spPr>
             <a:xfrm>
-              <a:off x="6520004" y="6639869"/>
+              <a:off x="8884425" y="8664726"/>
               <a:ext cx="186466" cy="81691"/>
             </a:xfrm>
             <a:prstGeom prst="rect">
@@ -8789,7 +8789,7 @@
           </p:nvSpPr>
           <p:spPr>
             <a:xfrm>
-              <a:off x="5286227" y="6779864"/>
+              <a:off x="7480946" y="8804721"/>
               <a:ext cx="450341" cy="101637"/>
             </a:xfrm>
             <a:prstGeom prst="rect">
@@ -8835,7 +8835,7 @@
           </p:nvSpPr>
           <p:spPr>
             <a:xfrm>
-              <a:off x="2542904" y="646521"/>
+              <a:off x="4280423" y="1756977"/>
               <a:ext cx="978254" cy="124092"/>
             </a:xfrm>
             <a:prstGeom prst="rect">
